--- a/docs/DNA SEQ 5x5 5_8_2020_v2.pptx
+++ b/docs/DNA SEQ 5x5 5_8_2020_v2.pptx
@@ -22,8 +22,9 @@
     <p:sldId id="261" r:id="rId16"/>
     <p:sldId id="262" r:id="rId17"/>
     <p:sldId id="256" r:id="rId18"/>
-    <p:sldId id="258" r:id="rId19"/>
-    <p:sldId id="259" r:id="rId20"/>
+    <p:sldId id="277" r:id="rId19"/>
+    <p:sldId id="258" r:id="rId20"/>
+    <p:sldId id="259" r:id="rId21"/>
   </p:sldIdLst>
   <p:sldSz cx="12192000" cy="6858000"/>
   <p:notesSz cx="6858000" cy="9144000"/>
@@ -279,7 +280,7 @@
           <a:p>
             <a:fld id="{D8C0D0AB-D4E6-4CAA-8B6D-21C95618B1E8}" type="datetimeFigureOut">
               <a:rPr lang="LID4096" smtClean="0"/>
-              <a:t>08/05/2020</a:t>
+              <a:t>10/21/2020</a:t>
             </a:fld>
             <a:endParaRPr lang="LID4096"/>
           </a:p>
@@ -479,7 +480,7 @@
           <a:p>
             <a:fld id="{D8C0D0AB-D4E6-4CAA-8B6D-21C95618B1E8}" type="datetimeFigureOut">
               <a:rPr lang="LID4096" smtClean="0"/>
-              <a:t>08/05/2020</a:t>
+              <a:t>10/21/2020</a:t>
             </a:fld>
             <a:endParaRPr lang="LID4096"/>
           </a:p>
@@ -689,7 +690,7 @@
           <a:p>
             <a:fld id="{D8C0D0AB-D4E6-4CAA-8B6D-21C95618B1E8}" type="datetimeFigureOut">
               <a:rPr lang="LID4096" smtClean="0"/>
-              <a:t>08/05/2020</a:t>
+              <a:t>10/21/2020</a:t>
             </a:fld>
             <a:endParaRPr lang="LID4096"/>
           </a:p>
@@ -889,7 +890,7 @@
           <a:p>
             <a:fld id="{D8C0D0AB-D4E6-4CAA-8B6D-21C95618B1E8}" type="datetimeFigureOut">
               <a:rPr lang="LID4096" smtClean="0"/>
-              <a:t>08/05/2020</a:t>
+              <a:t>10/21/2020</a:t>
             </a:fld>
             <a:endParaRPr lang="LID4096"/>
           </a:p>
@@ -1165,7 +1166,7 @@
           <a:p>
             <a:fld id="{D8C0D0AB-D4E6-4CAA-8B6D-21C95618B1E8}" type="datetimeFigureOut">
               <a:rPr lang="LID4096" smtClean="0"/>
-              <a:t>08/05/2020</a:t>
+              <a:t>10/21/2020</a:t>
             </a:fld>
             <a:endParaRPr lang="LID4096"/>
           </a:p>
@@ -1433,7 +1434,7 @@
           <a:p>
             <a:fld id="{D8C0D0AB-D4E6-4CAA-8B6D-21C95618B1E8}" type="datetimeFigureOut">
               <a:rPr lang="LID4096" smtClean="0"/>
-              <a:t>08/05/2020</a:t>
+              <a:t>10/21/2020</a:t>
             </a:fld>
             <a:endParaRPr lang="LID4096"/>
           </a:p>
@@ -1848,7 +1849,7 @@
           <a:p>
             <a:fld id="{D8C0D0AB-D4E6-4CAA-8B6D-21C95618B1E8}" type="datetimeFigureOut">
               <a:rPr lang="LID4096" smtClean="0"/>
-              <a:t>08/05/2020</a:t>
+              <a:t>10/21/2020</a:t>
             </a:fld>
             <a:endParaRPr lang="LID4096"/>
           </a:p>
@@ -1990,7 +1991,7 @@
           <a:p>
             <a:fld id="{D8C0D0AB-D4E6-4CAA-8B6D-21C95618B1E8}" type="datetimeFigureOut">
               <a:rPr lang="LID4096" smtClean="0"/>
-              <a:t>08/05/2020</a:t>
+              <a:t>10/21/2020</a:t>
             </a:fld>
             <a:endParaRPr lang="LID4096"/>
           </a:p>
@@ -2103,7 +2104,7 @@
           <a:p>
             <a:fld id="{D8C0D0AB-D4E6-4CAA-8B6D-21C95618B1E8}" type="datetimeFigureOut">
               <a:rPr lang="LID4096" smtClean="0"/>
-              <a:t>08/05/2020</a:t>
+              <a:t>10/21/2020</a:t>
             </a:fld>
             <a:endParaRPr lang="LID4096"/>
           </a:p>
@@ -2416,7 +2417,7 @@
           <a:p>
             <a:fld id="{D8C0D0AB-D4E6-4CAA-8B6D-21C95618B1E8}" type="datetimeFigureOut">
               <a:rPr lang="LID4096" smtClean="0"/>
-              <a:t>08/05/2020</a:t>
+              <a:t>10/21/2020</a:t>
             </a:fld>
             <a:endParaRPr lang="LID4096"/>
           </a:p>
@@ -2705,7 +2706,7 @@
           <a:p>
             <a:fld id="{D8C0D0AB-D4E6-4CAA-8B6D-21C95618B1E8}" type="datetimeFigureOut">
               <a:rPr lang="LID4096" smtClean="0"/>
-              <a:t>08/05/2020</a:t>
+              <a:t>10/21/2020</a:t>
             </a:fld>
             <a:endParaRPr lang="LID4096"/>
           </a:p>
@@ -2948,7 +2949,7 @@
           <a:p>
             <a:fld id="{D8C0D0AB-D4E6-4CAA-8B6D-21C95618B1E8}" type="datetimeFigureOut">
               <a:rPr lang="LID4096" smtClean="0"/>
-              <a:t>08/05/2020</a:t>
+              <a:t>10/21/2020</a:t>
             </a:fld>
             <a:endParaRPr lang="LID4096"/>
           </a:p>
@@ -15129,6 +15130,36 @@
           <a:chExt cx="0" cy="0"/>
         </a:xfrm>
       </p:grpSpPr>
+    </p:spTree>
+    <p:extLst>
+      <p:ext uri="{BB962C8B-B14F-4D97-AF65-F5344CB8AC3E}">
+        <p14:creationId xmlns:p14="http://schemas.microsoft.com/office/powerpoint/2010/main" val="2251541621"/>
+      </p:ext>
+    </p:extLst>
+  </p:cSld>
+  <p:clrMapOvr>
+    <a:masterClrMapping/>
+  </p:clrMapOvr>
+</p:sld>
+</file>
+
+<file path=ppt/slides/slide19.xml><?xml version="1.0" encoding="utf-8"?>
+<p:sld xmlns:a="http://schemas.openxmlformats.org/drawingml/2006/main" xmlns:r="http://schemas.openxmlformats.org/officeDocument/2006/relationships" xmlns:p="http://schemas.openxmlformats.org/presentationml/2006/main">
+  <p:cSld>
+    <p:spTree>
+      <p:nvGrpSpPr>
+        <p:cNvPr id="1" name=""/>
+        <p:cNvGrpSpPr/>
+        <p:nvPr/>
+      </p:nvGrpSpPr>
+      <p:grpSpPr>
+        <a:xfrm>
+          <a:off x="0" y="0"/>
+          <a:ext cx="0" cy="0"/>
+          <a:chOff x="0" y="0"/>
+          <a:chExt cx="0" cy="0"/>
+        </a:xfrm>
+      </p:grpSpPr>
       <p:pic>
         <p:nvPicPr>
           <p:cNvPr id="2050" name="Picture 2">
@@ -15229,7 +15260,1327 @@
 </p:sld>
 </file>
 
-<file path=ppt/slides/slide19.xml><?xml version="1.0" encoding="utf-8"?>
+<file path=ppt/slides/slide2.xml><?xml version="1.0" encoding="utf-8"?>
+<p:sld xmlns:a="http://schemas.openxmlformats.org/drawingml/2006/main" xmlns:r="http://schemas.openxmlformats.org/officeDocument/2006/relationships" xmlns:p="http://schemas.openxmlformats.org/presentationml/2006/main">
+  <p:cSld>
+    <p:bg>
+      <p:bgPr>
+        <a:solidFill>
+          <a:schemeClr val="bg1"/>
+        </a:solidFill>
+        <a:effectLst/>
+      </p:bgPr>
+    </p:bg>
+    <p:spTree>
+      <p:nvGrpSpPr>
+        <p:cNvPr id="1" name=""/>
+        <p:cNvGrpSpPr/>
+        <p:nvPr/>
+      </p:nvGrpSpPr>
+      <p:grpSpPr>
+        <a:xfrm>
+          <a:off x="0" y="0"/>
+          <a:ext cx="0" cy="0"/>
+          <a:chOff x="0" y="0"/>
+          <a:chExt cx="0" cy="0"/>
+        </a:xfrm>
+      </p:grpSpPr>
+      <p:sp useBgFill="1">
+        <p:nvSpPr>
+          <p:cNvPr id="12" name="Rectangle 11">
+            <a:extLst>
+              <a:ext uri="{FF2B5EF4-FFF2-40B4-BE49-F238E27FC236}">
+                <a16:creationId xmlns:a16="http://schemas.microsoft.com/office/drawing/2014/main" id="{1A95671B-3CC6-4792-9114-B74FAEA224E6}"/>
+              </a:ext>
+              <a:ext uri="{C183D7F6-B498-43B3-948B-1728B52AA6E4}">
+                <adec:decorative xmlns:adec="http://schemas.microsoft.com/office/drawing/2017/decorative" val="1"/>
+              </a:ext>
+            </a:extLst>
+          </p:cNvPr>
+          <p:cNvSpPr>
+            <a:spLocks noGrp="1" noRot="1" noChangeAspect="1" noMove="1" noResize="1" noEditPoints="1" noAdjustHandles="1" noChangeArrowheads="1" noChangeShapeType="1" noTextEdit="1"/>
+          </p:cNvSpPr>
+          <p:nvPr>
+            <p:extLst>
+              <p:ext uri="{386F3935-93C4-4BCD-93E2-E3B085C9AB24}">
+                <p16:designElem xmlns:p16="http://schemas.microsoft.com/office/powerpoint/2015/main" val="1"/>
+              </p:ext>
+            </p:extLst>
+          </p:nvPr>
+        </p:nvSpPr>
+        <p:spPr>
+          <a:xfrm>
+            <a:off x="0" y="0"/>
+            <a:ext cx="12188952" cy="6858000"/>
+          </a:xfrm>
+          <a:prstGeom prst="rect">
+            <a:avLst/>
+          </a:prstGeom>
+          <a:ln>
+            <a:noFill/>
+          </a:ln>
+        </p:spPr>
+        <p:style>
+          <a:lnRef idx="2">
+            <a:schemeClr val="accent1">
+              <a:shade val="50000"/>
+            </a:schemeClr>
+          </a:lnRef>
+          <a:fillRef idx="1">
+            <a:schemeClr val="accent1"/>
+          </a:fillRef>
+          <a:effectRef idx="0">
+            <a:schemeClr val="accent1"/>
+          </a:effectRef>
+          <a:fontRef idx="minor">
+            <a:schemeClr val="lt1"/>
+          </a:fontRef>
+        </p:style>
+        <p:txBody>
+          <a:bodyPr rtlCol="0" anchor="ctr"/>
+          <a:lstStyle/>
+          <a:p>
+            <a:pPr algn="ctr"/>
+            <a:endParaRPr lang="en-US"/>
+          </a:p>
+        </p:txBody>
+      </p:sp>
+      <p:sp>
+        <p:nvSpPr>
+          <p:cNvPr id="2" name="Title 1">
+            <a:extLst>
+              <a:ext uri="{FF2B5EF4-FFF2-40B4-BE49-F238E27FC236}">
+                <a16:creationId xmlns:a16="http://schemas.microsoft.com/office/drawing/2014/main" id="{C60CA67B-52C5-4E4E-8161-B3EEF92F37DB}"/>
+              </a:ext>
+            </a:extLst>
+          </p:cNvPr>
+          <p:cNvSpPr>
+            <a:spLocks noGrp="1"/>
+          </p:cNvSpPr>
+          <p:nvPr>
+            <p:ph type="title"/>
+          </p:nvPr>
+        </p:nvSpPr>
+        <p:spPr>
+          <a:xfrm>
+            <a:off x="835155" y="552906"/>
+            <a:ext cx="5165936" cy="1674904"/>
+          </a:xfrm>
+        </p:spPr>
+        <p:txBody>
+          <a:bodyPr anchor="ctr">
+            <a:normAutofit/>
+          </a:bodyPr>
+          <a:lstStyle/>
+          <a:p>
+            <a:r>
+              <a:rPr lang="en-US" sz="3700" kern="1200">
+                <a:latin typeface="+mj-lt"/>
+                <a:ea typeface="+mj-ea"/>
+                <a:cs typeface="+mj-cs"/>
+              </a:rPr>
+              <a:t>Unmapped Axenic MIT0604 top cover contigs</a:t>
+            </a:r>
+            <a:endParaRPr lang="LID4096" sz="3700"/>
+          </a:p>
+        </p:txBody>
+      </p:sp>
+      <p:graphicFrame>
+        <p:nvGraphicFramePr>
+          <p:cNvPr id="7" name="Content Placeholder 3">
+            <a:extLst>
+              <a:ext uri="{FF2B5EF4-FFF2-40B4-BE49-F238E27FC236}">
+                <a16:creationId xmlns:a16="http://schemas.microsoft.com/office/drawing/2014/main" id="{68D37252-F6B9-43CD-9419-E7C8089FFF2C}"/>
+              </a:ext>
+            </a:extLst>
+          </p:cNvPr>
+          <p:cNvGraphicFramePr>
+            <a:graphicFrameLocks/>
+          </p:cNvGraphicFramePr>
+          <p:nvPr>
+            <p:extLst>
+              <p:ext uri="{D42A27DB-BD31-4B8C-83A1-F6EECF244321}">
+                <p14:modId xmlns:p14="http://schemas.microsoft.com/office/powerpoint/2010/main" val="3453164767"/>
+              </p:ext>
+            </p:extLst>
+          </p:nvPr>
+        </p:nvGraphicFramePr>
+        <p:xfrm>
+          <a:off x="835166" y="3272052"/>
+          <a:ext cx="10728522" cy="2377440"/>
+        </p:xfrm>
+        <a:graphic>
+          <a:graphicData uri="http://schemas.openxmlformats.org/drawingml/2006/table">
+            <a:tbl>
+              <a:tblPr firstRow="1" bandRow="1">
+                <a:tableStyleId>{5C22544A-7EE6-4342-B048-85BDC9FD1C3A}</a:tableStyleId>
+              </a:tblPr>
+              <a:tblGrid>
+                <a:gridCol w="651193">
+                  <a:extLst>
+                    <a:ext uri="{9D8B030D-6E8A-4147-A177-3AD203B41FA5}">
+                      <a16:colId xmlns:a16="http://schemas.microsoft.com/office/drawing/2014/main" val="3628119835"/>
+                    </a:ext>
+                  </a:extLst>
+                </a:gridCol>
+                <a:gridCol w="760921">
+                  <a:extLst>
+                    <a:ext uri="{9D8B030D-6E8A-4147-A177-3AD203B41FA5}">
+                      <a16:colId xmlns:a16="http://schemas.microsoft.com/office/drawing/2014/main" val="3084846701"/>
+                    </a:ext>
+                  </a:extLst>
+                </a:gridCol>
+                <a:gridCol w="1186180">
+                  <a:extLst>
+                    <a:ext uri="{9D8B030D-6E8A-4147-A177-3AD203B41FA5}">
+                      <a16:colId xmlns:a16="http://schemas.microsoft.com/office/drawing/2014/main" val="1163834225"/>
+                    </a:ext>
+                  </a:extLst>
+                </a:gridCol>
+                <a:gridCol w="5402078">
+                  <a:extLst>
+                    <a:ext uri="{9D8B030D-6E8A-4147-A177-3AD203B41FA5}">
+                      <a16:colId xmlns:a16="http://schemas.microsoft.com/office/drawing/2014/main" val="3215518728"/>
+                    </a:ext>
+                  </a:extLst>
+                </a:gridCol>
+                <a:gridCol w="1460818">
+                  <a:extLst>
+                    <a:ext uri="{9D8B030D-6E8A-4147-A177-3AD203B41FA5}">
+                      <a16:colId xmlns:a16="http://schemas.microsoft.com/office/drawing/2014/main" val="1253429339"/>
+                    </a:ext>
+                  </a:extLst>
+                </a:gridCol>
+                <a:gridCol w="627443">
+                  <a:extLst>
+                    <a:ext uri="{9D8B030D-6E8A-4147-A177-3AD203B41FA5}">
+                      <a16:colId xmlns:a16="http://schemas.microsoft.com/office/drawing/2014/main" val="1209038838"/>
+                    </a:ext>
+                  </a:extLst>
+                </a:gridCol>
+                <a:gridCol w="639889">
+                  <a:extLst>
+                    <a:ext uri="{9D8B030D-6E8A-4147-A177-3AD203B41FA5}">
+                      <a16:colId xmlns:a16="http://schemas.microsoft.com/office/drawing/2014/main" val="2898926293"/>
+                    </a:ext>
+                  </a:extLst>
+                </a:gridCol>
+              </a:tblGrid>
+              <a:tr h="283388">
+                <a:tc>
+                  <a:txBody>
+                    <a:bodyPr/>
+                    <a:lstStyle/>
+                    <a:p>
+                      <a:pPr algn="ctr" fontAlgn="ctr"/>
+                      <a:r>
+                        <a:rPr lang="en-US" sz="1500" u="none" strike="noStrike">
+                          <a:effectLst/>
+                        </a:rPr>
+                        <a:t>Node</a:t>
+                      </a:r>
+                      <a:endParaRPr lang="en-US" sz="1500" b="1" i="0" u="none" strike="noStrike">
+                        <a:solidFill>
+                          <a:srgbClr val="000000"/>
+                        </a:solidFill>
+                        <a:effectLst/>
+                        <a:latin typeface="Calibri" panose="020F0502020204030204" pitchFamily="34" charset="0"/>
+                      </a:endParaRPr>
+                    </a:p>
+                  </a:txBody>
+                  <a:tcPr anchor="ctr"/>
+                </a:tc>
+                <a:tc>
+                  <a:txBody>
+                    <a:bodyPr/>
+                    <a:lstStyle/>
+                    <a:p>
+                      <a:pPr algn="ctr" fontAlgn="ctr"/>
+                      <a:r>
+                        <a:rPr lang="en-US" sz="1500" u="none" strike="noStrike">
+                          <a:effectLst/>
+                        </a:rPr>
+                        <a:t>Length</a:t>
+                      </a:r>
+                      <a:endParaRPr lang="en-US" sz="1500" b="1" i="0" u="none" strike="noStrike">
+                        <a:solidFill>
+                          <a:srgbClr val="000000"/>
+                        </a:solidFill>
+                        <a:effectLst/>
+                        <a:latin typeface="Calibri" panose="020F0502020204030204" pitchFamily="34" charset="0"/>
+                      </a:endParaRPr>
+                    </a:p>
+                  </a:txBody>
+                  <a:tcPr anchor="ctr"/>
+                </a:tc>
+                <a:tc>
+                  <a:txBody>
+                    <a:bodyPr/>
+                    <a:lstStyle/>
+                    <a:p>
+                      <a:pPr algn="ctr" fontAlgn="ctr"/>
+                      <a:r>
+                        <a:rPr lang="en-US" sz="1500" u="none" strike="noStrike">
+                          <a:effectLst/>
+                        </a:rPr>
+                        <a:t> Coverage </a:t>
+                      </a:r>
+                      <a:endParaRPr lang="en-US" sz="1500" b="1" i="0" u="none" strike="noStrike">
+                        <a:solidFill>
+                          <a:srgbClr val="000000"/>
+                        </a:solidFill>
+                        <a:effectLst/>
+                        <a:latin typeface="Calibri" panose="020F0502020204030204" pitchFamily="34" charset="0"/>
+                      </a:endParaRPr>
+                    </a:p>
+                  </a:txBody>
+                  <a:tcPr anchor="ctr"/>
+                </a:tc>
+                <a:tc>
+                  <a:txBody>
+                    <a:bodyPr/>
+                    <a:lstStyle/>
+                    <a:p>
+                      <a:pPr algn="ctr" fontAlgn="ctr"/>
+                      <a:r>
+                        <a:rPr lang="en-US" sz="1500" u="none" strike="noStrike">
+                          <a:effectLst/>
+                        </a:rPr>
+                        <a:t>Subject</a:t>
+                      </a:r>
+                      <a:endParaRPr lang="en-US" sz="1500" b="1" i="0" u="none" strike="noStrike">
+                        <a:solidFill>
+                          <a:srgbClr val="000000"/>
+                        </a:solidFill>
+                        <a:effectLst/>
+                        <a:latin typeface="Calibri" panose="020F0502020204030204" pitchFamily="34" charset="0"/>
+                      </a:endParaRPr>
+                    </a:p>
+                  </a:txBody>
+                  <a:tcPr anchor="ctr"/>
+                </a:tc>
+                <a:tc>
+                  <a:txBody>
+                    <a:bodyPr/>
+                    <a:lstStyle/>
+                    <a:p>
+                      <a:pPr algn="ctr" fontAlgn="ctr"/>
+                      <a:r>
+                        <a:rPr lang="en-US" sz="1500" u="none" strike="noStrike">
+                          <a:effectLst/>
+                        </a:rPr>
+                        <a:t>Accession</a:t>
+                      </a:r>
+                      <a:endParaRPr lang="en-US" sz="1500" b="1" i="0" u="none" strike="noStrike">
+                        <a:solidFill>
+                          <a:srgbClr val="000000"/>
+                        </a:solidFill>
+                        <a:effectLst/>
+                        <a:latin typeface="Calibri" panose="020F0502020204030204" pitchFamily="34" charset="0"/>
+                      </a:endParaRPr>
+                    </a:p>
+                  </a:txBody>
+                  <a:tcPr anchor="ctr"/>
+                </a:tc>
+                <a:tc>
+                  <a:txBody>
+                    <a:bodyPr/>
+                    <a:lstStyle/>
+                    <a:p>
+                      <a:pPr algn="ctr" fontAlgn="ctr"/>
+                      <a:r>
+                        <a:rPr lang="en-US" sz="1500" u="none" strike="noStrike">
+                          <a:effectLst/>
+                        </a:rPr>
+                        <a:t>Qcov</a:t>
+                      </a:r>
+                      <a:endParaRPr lang="en-US" sz="1500" b="1" i="0" u="none" strike="noStrike">
+                        <a:solidFill>
+                          <a:srgbClr val="000000"/>
+                        </a:solidFill>
+                        <a:effectLst/>
+                        <a:latin typeface="Calibri" panose="020F0502020204030204" pitchFamily="34" charset="0"/>
+                      </a:endParaRPr>
+                    </a:p>
+                  </a:txBody>
+                  <a:tcPr anchor="ctr"/>
+                </a:tc>
+                <a:tc>
+                  <a:txBody>
+                    <a:bodyPr/>
+                    <a:lstStyle/>
+                    <a:p>
+                      <a:pPr algn="ctr" fontAlgn="ctr"/>
+                      <a:r>
+                        <a:rPr lang="en-US" sz="1500" u="none" strike="noStrike">
+                          <a:effectLst/>
+                        </a:rPr>
+                        <a:t>Ident</a:t>
+                      </a:r>
+                      <a:endParaRPr lang="en-US" sz="1500" b="1" i="0" u="none" strike="noStrike">
+                        <a:solidFill>
+                          <a:srgbClr val="000000"/>
+                        </a:solidFill>
+                        <a:effectLst/>
+                        <a:latin typeface="Calibri" panose="020F0502020204030204" pitchFamily="34" charset="0"/>
+                      </a:endParaRPr>
+                    </a:p>
+                  </a:txBody>
+                  <a:tcPr anchor="ctr"/>
+                </a:tc>
+                <a:extLst>
+                  <a:ext uri="{0D108BD9-81ED-4DB2-BD59-A6C34878D82A}">
+                    <a16:rowId xmlns:a16="http://schemas.microsoft.com/office/drawing/2014/main" val="3734840492"/>
+                  </a:ext>
+                </a:extLst>
+              </a:tr>
+              <a:tr h="283388">
+                <a:tc>
+                  <a:txBody>
+                    <a:bodyPr/>
+                    <a:lstStyle/>
+                    <a:p>
+                      <a:pPr algn="r" fontAlgn="ctr"/>
+                      <a:r>
+                        <a:rPr lang="en-IL" sz="1500" u="none" strike="noStrike">
+                          <a:effectLst/>
+                        </a:rPr>
+                        <a:t>1224</a:t>
+                      </a:r>
+                      <a:endParaRPr lang="en-IL" sz="1500" b="0" i="0" u="none" strike="noStrike">
+                        <a:solidFill>
+                          <a:srgbClr val="000000"/>
+                        </a:solidFill>
+                        <a:effectLst/>
+                        <a:latin typeface="Calibri" panose="020F0502020204030204" pitchFamily="34" charset="0"/>
+                      </a:endParaRPr>
+                    </a:p>
+                  </a:txBody>
+                  <a:tcPr anchor="ctr"/>
+                </a:tc>
+                <a:tc>
+                  <a:txBody>
+                    <a:bodyPr/>
+                    <a:lstStyle/>
+                    <a:p>
+                      <a:pPr algn="r" fontAlgn="ctr"/>
+                      <a:r>
+                        <a:rPr lang="en-IL" sz="1500" u="none" strike="noStrike">
+                          <a:effectLst/>
+                        </a:rPr>
+                        <a:t>128</a:t>
+                      </a:r>
+                      <a:endParaRPr lang="en-IL" sz="1500" b="0" i="0" u="none" strike="noStrike">
+                        <a:solidFill>
+                          <a:srgbClr val="000000"/>
+                        </a:solidFill>
+                        <a:effectLst/>
+                        <a:latin typeface="Calibri" panose="020F0502020204030204" pitchFamily="34" charset="0"/>
+                      </a:endParaRPr>
+                    </a:p>
+                  </a:txBody>
+                  <a:tcPr anchor="ctr"/>
+                </a:tc>
+                <a:tc>
+                  <a:txBody>
+                    <a:bodyPr/>
+                    <a:lstStyle/>
+                    <a:p>
+                      <a:pPr algn="l" fontAlgn="ctr"/>
+                      <a:r>
+                        <a:rPr lang="en-IL" sz="1500" u="none" strike="noStrike">
+                          <a:effectLst/>
+                        </a:rPr>
+                        <a:t>         553.00 </a:t>
+                      </a:r>
+                      <a:endParaRPr lang="en-IL" sz="1500" b="0" i="0" u="none" strike="noStrike">
+                        <a:solidFill>
+                          <a:srgbClr val="000000"/>
+                        </a:solidFill>
+                        <a:effectLst/>
+                        <a:latin typeface="Calibri" panose="020F0502020204030204" pitchFamily="34" charset="0"/>
+                      </a:endParaRPr>
+                    </a:p>
+                  </a:txBody>
+                  <a:tcPr anchor="ctr"/>
+                </a:tc>
+                <a:tc>
+                  <a:txBody>
+                    <a:bodyPr/>
+                    <a:lstStyle/>
+                    <a:p>
+                      <a:pPr algn="l" fontAlgn="ctr"/>
+                      <a:r>
+                        <a:rPr lang="en-IL" sz="1500" u="none" strike="noStrike">
+                          <a:effectLst/>
+                        </a:rPr>
+                        <a:t> </a:t>
+                      </a:r>
+                      <a:endParaRPr lang="en-IL" sz="1500" b="0" i="0" u="none" strike="noStrike">
+                        <a:solidFill>
+                          <a:srgbClr val="000000"/>
+                        </a:solidFill>
+                        <a:effectLst/>
+                        <a:latin typeface="Calibri" panose="020F0502020204030204" pitchFamily="34" charset="0"/>
+                      </a:endParaRPr>
+                    </a:p>
+                  </a:txBody>
+                  <a:tcPr anchor="ctr"/>
+                </a:tc>
+                <a:tc>
+                  <a:txBody>
+                    <a:bodyPr/>
+                    <a:lstStyle/>
+                    <a:p>
+                      <a:pPr algn="l" fontAlgn="ctr"/>
+                      <a:r>
+                        <a:rPr lang="en-IL" sz="1500" u="none" strike="noStrike">
+                          <a:effectLst/>
+                        </a:rPr>
+                        <a:t> </a:t>
+                      </a:r>
+                      <a:endParaRPr lang="en-IL" sz="1500" b="0" i="0" u="none" strike="noStrike">
+                        <a:solidFill>
+                          <a:srgbClr val="000000"/>
+                        </a:solidFill>
+                        <a:effectLst/>
+                        <a:latin typeface="Calibri" panose="020F0502020204030204" pitchFamily="34" charset="0"/>
+                      </a:endParaRPr>
+                    </a:p>
+                  </a:txBody>
+                  <a:tcPr anchor="ctr"/>
+                </a:tc>
+                <a:tc>
+                  <a:txBody>
+                    <a:bodyPr/>
+                    <a:lstStyle/>
+                    <a:p>
+                      <a:pPr algn="l" fontAlgn="ctr"/>
+                      <a:r>
+                        <a:rPr lang="en-IL" sz="1500" u="none" strike="noStrike">
+                          <a:effectLst/>
+                        </a:rPr>
+                        <a:t> </a:t>
+                      </a:r>
+                      <a:endParaRPr lang="en-IL" sz="1500" b="0" i="0" u="none" strike="noStrike">
+                        <a:solidFill>
+                          <a:srgbClr val="000000"/>
+                        </a:solidFill>
+                        <a:effectLst/>
+                        <a:latin typeface="Calibri" panose="020F0502020204030204" pitchFamily="34" charset="0"/>
+                      </a:endParaRPr>
+                    </a:p>
+                  </a:txBody>
+                  <a:tcPr anchor="ctr"/>
+                </a:tc>
+                <a:tc>
+                  <a:txBody>
+                    <a:bodyPr/>
+                    <a:lstStyle/>
+                    <a:p>
+                      <a:pPr algn="l" fontAlgn="ctr"/>
+                      <a:r>
+                        <a:rPr lang="en-IL" sz="1500" u="none" strike="noStrike">
+                          <a:effectLst/>
+                        </a:rPr>
+                        <a:t> </a:t>
+                      </a:r>
+                      <a:endParaRPr lang="en-IL" sz="1500" b="0" i="0" u="none" strike="noStrike">
+                        <a:solidFill>
+                          <a:srgbClr val="000000"/>
+                        </a:solidFill>
+                        <a:effectLst/>
+                        <a:latin typeface="Calibri" panose="020F0502020204030204" pitchFamily="34" charset="0"/>
+                      </a:endParaRPr>
+                    </a:p>
+                  </a:txBody>
+                  <a:tcPr anchor="ctr"/>
+                </a:tc>
+                <a:extLst>
+                  <a:ext uri="{0D108BD9-81ED-4DB2-BD59-A6C34878D82A}">
+                    <a16:rowId xmlns:a16="http://schemas.microsoft.com/office/drawing/2014/main" val="814158306"/>
+                  </a:ext>
+                </a:extLst>
+              </a:tr>
+              <a:tr h="283388">
+                <a:tc>
+                  <a:txBody>
+                    <a:bodyPr/>
+                    <a:lstStyle/>
+                    <a:p>
+                      <a:pPr algn="r" fontAlgn="ctr"/>
+                      <a:r>
+                        <a:rPr lang="en-IL" sz="1500" u="none" strike="noStrike">
+                          <a:effectLst/>
+                        </a:rPr>
+                        <a:t>490</a:t>
+                      </a:r>
+                      <a:endParaRPr lang="en-IL" sz="1500" b="0" i="0" u="none" strike="noStrike">
+                        <a:solidFill>
+                          <a:srgbClr val="000000"/>
+                        </a:solidFill>
+                        <a:effectLst/>
+                        <a:latin typeface="Calibri" panose="020F0502020204030204" pitchFamily="34" charset="0"/>
+                      </a:endParaRPr>
+                    </a:p>
+                  </a:txBody>
+                  <a:tcPr anchor="ctr"/>
+                </a:tc>
+                <a:tc>
+                  <a:txBody>
+                    <a:bodyPr/>
+                    <a:lstStyle/>
+                    <a:p>
+                      <a:pPr algn="r" fontAlgn="ctr"/>
+                      <a:r>
+                        <a:rPr lang="en-IL" sz="1500" u="none" strike="noStrike">
+                          <a:effectLst/>
+                        </a:rPr>
+                        <a:t>1652</a:t>
+                      </a:r>
+                      <a:endParaRPr lang="en-IL" sz="1500" b="0" i="0" u="none" strike="noStrike">
+                        <a:solidFill>
+                          <a:srgbClr val="000000"/>
+                        </a:solidFill>
+                        <a:effectLst/>
+                        <a:latin typeface="Calibri" panose="020F0502020204030204" pitchFamily="34" charset="0"/>
+                      </a:endParaRPr>
+                    </a:p>
+                  </a:txBody>
+                  <a:tcPr anchor="ctr"/>
+                </a:tc>
+                <a:tc>
+                  <a:txBody>
+                    <a:bodyPr/>
+                    <a:lstStyle/>
+                    <a:p>
+                      <a:pPr algn="l" fontAlgn="ctr"/>
+                      <a:r>
+                        <a:rPr lang="en-IL" sz="1500" u="none" strike="noStrike">
+                          <a:effectLst/>
+                        </a:rPr>
+                        <a:t>           28.50 </a:t>
+                      </a:r>
+                      <a:endParaRPr lang="en-IL" sz="1500" b="0" i="0" u="none" strike="noStrike">
+                        <a:solidFill>
+                          <a:srgbClr val="000000"/>
+                        </a:solidFill>
+                        <a:effectLst/>
+                        <a:latin typeface="Calibri" panose="020F0502020204030204" pitchFamily="34" charset="0"/>
+                      </a:endParaRPr>
+                    </a:p>
+                  </a:txBody>
+                  <a:tcPr anchor="ctr"/>
+                </a:tc>
+                <a:tc>
+                  <a:txBody>
+                    <a:bodyPr/>
+                    <a:lstStyle/>
+                    <a:p>
+                      <a:pPr algn="l" fontAlgn="ctr"/>
+                      <a:r>
+                        <a:rPr lang="en-US" sz="1500" u="none" strike="noStrike">
+                          <a:effectLst/>
+                        </a:rPr>
+                        <a:t>IS1380 family transposase [Marinobacter sp. B9-2]</a:t>
+                      </a:r>
+                      <a:endParaRPr lang="en-US" sz="1500" b="0" i="0" u="none" strike="noStrike">
+                        <a:solidFill>
+                          <a:srgbClr val="000000"/>
+                        </a:solidFill>
+                        <a:effectLst/>
+                        <a:latin typeface="Calibri" panose="020F0502020204030204" pitchFamily="34" charset="0"/>
+                      </a:endParaRPr>
+                    </a:p>
+                  </a:txBody>
+                  <a:tcPr anchor="ctr"/>
+                </a:tc>
+                <a:tc>
+                  <a:txBody>
+                    <a:bodyPr/>
+                    <a:lstStyle/>
+                    <a:p>
+                      <a:pPr algn="l" fontAlgn="ctr"/>
+                      <a:r>
+                        <a:rPr lang="en-US" sz="1500" u="none" strike="noStrike">
+                          <a:effectLst/>
+                        </a:rPr>
+                        <a:t>PTB93145</a:t>
+                      </a:r>
+                      <a:endParaRPr lang="en-US" sz="1500" b="0" i="0" u="none" strike="noStrike">
+                        <a:solidFill>
+                          <a:srgbClr val="000000"/>
+                        </a:solidFill>
+                        <a:effectLst/>
+                        <a:latin typeface="Calibri" panose="020F0502020204030204" pitchFamily="34" charset="0"/>
+                      </a:endParaRPr>
+                    </a:p>
+                  </a:txBody>
+                  <a:tcPr anchor="ctr"/>
+                </a:tc>
+                <a:tc>
+                  <a:txBody>
+                    <a:bodyPr/>
+                    <a:lstStyle/>
+                    <a:p>
+                      <a:pPr algn="r" fontAlgn="ctr"/>
+                      <a:r>
+                        <a:rPr lang="en-IL" sz="1500" u="none" strike="noStrike">
+                          <a:effectLst/>
+                        </a:rPr>
+                        <a:t>0.28</a:t>
+                      </a:r>
+                      <a:endParaRPr lang="en-IL" sz="1500" b="0" i="0" u="none" strike="noStrike">
+                        <a:solidFill>
+                          <a:srgbClr val="000000"/>
+                        </a:solidFill>
+                        <a:effectLst/>
+                        <a:latin typeface="Calibri" panose="020F0502020204030204" pitchFamily="34" charset="0"/>
+                      </a:endParaRPr>
+                    </a:p>
+                  </a:txBody>
+                  <a:tcPr anchor="ctr"/>
+                </a:tc>
+                <a:tc>
+                  <a:txBody>
+                    <a:bodyPr/>
+                    <a:lstStyle/>
+                    <a:p>
+                      <a:pPr algn="r" fontAlgn="ctr"/>
+                      <a:r>
+                        <a:rPr lang="en-IL" sz="1500" u="none" strike="noStrike">
+                          <a:effectLst/>
+                        </a:rPr>
+                        <a:t>0.28</a:t>
+                      </a:r>
+                      <a:endParaRPr lang="en-IL" sz="1500" b="0" i="0" u="none" strike="noStrike">
+                        <a:solidFill>
+                          <a:srgbClr val="000000"/>
+                        </a:solidFill>
+                        <a:effectLst/>
+                        <a:latin typeface="Calibri" panose="020F0502020204030204" pitchFamily="34" charset="0"/>
+                      </a:endParaRPr>
+                    </a:p>
+                  </a:txBody>
+                  <a:tcPr anchor="ctr"/>
+                </a:tc>
+                <a:extLst>
+                  <a:ext uri="{0D108BD9-81ED-4DB2-BD59-A6C34878D82A}">
+                    <a16:rowId xmlns:a16="http://schemas.microsoft.com/office/drawing/2014/main" val="1410700066"/>
+                  </a:ext>
+                </a:extLst>
+              </a:tr>
+              <a:tr h="516020">
+                <a:tc>
+                  <a:txBody>
+                    <a:bodyPr/>
+                    <a:lstStyle/>
+                    <a:p>
+                      <a:pPr algn="r" fontAlgn="ctr"/>
+                      <a:r>
+                        <a:rPr lang="en-IL" sz="1500" u="none" strike="noStrike">
+                          <a:effectLst/>
+                        </a:rPr>
+                        <a:t>1222</a:t>
+                      </a:r>
+                      <a:endParaRPr lang="en-IL" sz="1500" b="0" i="0" u="none" strike="noStrike">
+                        <a:solidFill>
+                          <a:srgbClr val="000000"/>
+                        </a:solidFill>
+                        <a:effectLst/>
+                        <a:latin typeface="Calibri" panose="020F0502020204030204" pitchFamily="34" charset="0"/>
+                      </a:endParaRPr>
+                    </a:p>
+                  </a:txBody>
+                  <a:tcPr anchor="ctr"/>
+                </a:tc>
+                <a:tc>
+                  <a:txBody>
+                    <a:bodyPr/>
+                    <a:lstStyle/>
+                    <a:p>
+                      <a:pPr algn="r" fontAlgn="ctr"/>
+                      <a:r>
+                        <a:rPr lang="en-IL" sz="1500" u="none" strike="noStrike">
+                          <a:effectLst/>
+                        </a:rPr>
+                        <a:t>140</a:t>
+                      </a:r>
+                      <a:endParaRPr lang="en-IL" sz="1500" b="0" i="0" u="none" strike="noStrike">
+                        <a:solidFill>
+                          <a:srgbClr val="000000"/>
+                        </a:solidFill>
+                        <a:effectLst/>
+                        <a:latin typeface="Calibri" panose="020F0502020204030204" pitchFamily="34" charset="0"/>
+                      </a:endParaRPr>
+                    </a:p>
+                  </a:txBody>
+                  <a:tcPr anchor="ctr"/>
+                </a:tc>
+                <a:tc>
+                  <a:txBody>
+                    <a:bodyPr/>
+                    <a:lstStyle/>
+                    <a:p>
+                      <a:pPr algn="l" fontAlgn="ctr"/>
+                      <a:r>
+                        <a:rPr lang="en-IL" sz="1500" u="none" strike="noStrike">
+                          <a:effectLst/>
+                        </a:rPr>
+                        <a:t>           24.62 </a:t>
+                      </a:r>
+                      <a:endParaRPr lang="en-IL" sz="1500" b="0" i="0" u="none" strike="noStrike">
+                        <a:solidFill>
+                          <a:srgbClr val="000000"/>
+                        </a:solidFill>
+                        <a:effectLst/>
+                        <a:latin typeface="Calibri" panose="020F0502020204030204" pitchFamily="34" charset="0"/>
+                      </a:endParaRPr>
+                    </a:p>
+                  </a:txBody>
+                  <a:tcPr anchor="ctr"/>
+                </a:tc>
+                <a:tc>
+                  <a:txBody>
+                    <a:bodyPr/>
+                    <a:lstStyle/>
+                    <a:p>
+                      <a:pPr algn="l" fontAlgn="ctr"/>
+                      <a:r>
+                        <a:rPr lang="en-US" sz="1500" u="none" strike="noStrike">
+                          <a:effectLst/>
+                        </a:rPr>
+                        <a:t>hypothetical protein A9Q78_09185, partial [Methylophaga sp. 41_12_T18]</a:t>
+                      </a:r>
+                      <a:endParaRPr lang="en-US" sz="1500" b="0" i="0" u="none" strike="noStrike">
+                        <a:solidFill>
+                          <a:srgbClr val="000000"/>
+                        </a:solidFill>
+                        <a:effectLst/>
+                        <a:latin typeface="Calibri" panose="020F0502020204030204" pitchFamily="34" charset="0"/>
+                      </a:endParaRPr>
+                    </a:p>
+                  </a:txBody>
+                  <a:tcPr anchor="ctr"/>
+                </a:tc>
+                <a:tc>
+                  <a:txBody>
+                    <a:bodyPr/>
+                    <a:lstStyle/>
+                    <a:p>
+                      <a:pPr algn="l" fontAlgn="ctr"/>
+                      <a:r>
+                        <a:rPr lang="en-US" sz="1500" u="none" strike="noStrike">
+                          <a:effectLst/>
+                        </a:rPr>
+                        <a:t>OUR71561</a:t>
+                      </a:r>
+                      <a:endParaRPr lang="en-US" sz="1500" b="0" i="0" u="none" strike="noStrike">
+                        <a:solidFill>
+                          <a:srgbClr val="000000"/>
+                        </a:solidFill>
+                        <a:effectLst/>
+                        <a:latin typeface="Calibri" panose="020F0502020204030204" pitchFamily="34" charset="0"/>
+                      </a:endParaRPr>
+                    </a:p>
+                  </a:txBody>
+                  <a:tcPr anchor="ctr"/>
+                </a:tc>
+                <a:tc>
+                  <a:txBody>
+                    <a:bodyPr/>
+                    <a:lstStyle/>
+                    <a:p>
+                      <a:pPr algn="r" fontAlgn="ctr"/>
+                      <a:r>
+                        <a:rPr lang="en-IL" sz="1500" u="none" strike="noStrike">
+                          <a:effectLst/>
+                        </a:rPr>
+                        <a:t>0.32</a:t>
+                      </a:r>
+                      <a:endParaRPr lang="en-IL" sz="1500" b="0" i="0" u="none" strike="noStrike">
+                        <a:solidFill>
+                          <a:srgbClr val="000000"/>
+                        </a:solidFill>
+                        <a:effectLst/>
+                        <a:latin typeface="Calibri" panose="020F0502020204030204" pitchFamily="34" charset="0"/>
+                      </a:endParaRPr>
+                    </a:p>
+                  </a:txBody>
+                  <a:tcPr anchor="ctr"/>
+                </a:tc>
+                <a:tc>
+                  <a:txBody>
+                    <a:bodyPr/>
+                    <a:lstStyle/>
+                    <a:p>
+                      <a:pPr algn="r" fontAlgn="ctr"/>
+                      <a:r>
+                        <a:rPr lang="en-IL" sz="1500" u="none" strike="noStrike">
+                          <a:effectLst/>
+                        </a:rPr>
+                        <a:t>0.28</a:t>
+                      </a:r>
+                      <a:endParaRPr lang="en-IL" sz="1500" b="0" i="0" u="none" strike="noStrike">
+                        <a:solidFill>
+                          <a:srgbClr val="000000"/>
+                        </a:solidFill>
+                        <a:effectLst/>
+                        <a:latin typeface="Calibri" panose="020F0502020204030204" pitchFamily="34" charset="0"/>
+                      </a:endParaRPr>
+                    </a:p>
+                  </a:txBody>
+                  <a:tcPr anchor="ctr"/>
+                </a:tc>
+                <a:extLst>
+                  <a:ext uri="{0D108BD9-81ED-4DB2-BD59-A6C34878D82A}">
+                    <a16:rowId xmlns:a16="http://schemas.microsoft.com/office/drawing/2014/main" val="3333708318"/>
+                  </a:ext>
+                </a:extLst>
+              </a:tr>
+              <a:tr h="283388">
+                <a:tc>
+                  <a:txBody>
+                    <a:bodyPr/>
+                    <a:lstStyle/>
+                    <a:p>
+                      <a:pPr algn="r" fontAlgn="ctr"/>
+                      <a:r>
+                        <a:rPr lang="en-IL" sz="1500" u="none" strike="noStrike">
+                          <a:effectLst/>
+                        </a:rPr>
+                        <a:t>1220</a:t>
+                      </a:r>
+                      <a:endParaRPr lang="en-IL" sz="1500" b="0" i="0" u="none" strike="noStrike">
+                        <a:solidFill>
+                          <a:srgbClr val="000000"/>
+                        </a:solidFill>
+                        <a:effectLst/>
+                        <a:latin typeface="Calibri" panose="020F0502020204030204" pitchFamily="34" charset="0"/>
+                      </a:endParaRPr>
+                    </a:p>
+                  </a:txBody>
+                  <a:tcPr anchor="ctr"/>
+                </a:tc>
+                <a:tc>
+                  <a:txBody>
+                    <a:bodyPr/>
+                    <a:lstStyle/>
+                    <a:p>
+                      <a:pPr algn="r" fontAlgn="ctr"/>
+                      <a:r>
+                        <a:rPr lang="en-IL" sz="1500" u="none" strike="noStrike">
+                          <a:effectLst/>
+                        </a:rPr>
+                        <a:t>200</a:t>
+                      </a:r>
+                      <a:endParaRPr lang="en-IL" sz="1500" b="0" i="0" u="none" strike="noStrike">
+                        <a:solidFill>
+                          <a:srgbClr val="000000"/>
+                        </a:solidFill>
+                        <a:effectLst/>
+                        <a:latin typeface="Calibri" panose="020F0502020204030204" pitchFamily="34" charset="0"/>
+                      </a:endParaRPr>
+                    </a:p>
+                  </a:txBody>
+                  <a:tcPr anchor="ctr"/>
+                </a:tc>
+                <a:tc>
+                  <a:txBody>
+                    <a:bodyPr/>
+                    <a:lstStyle/>
+                    <a:p>
+                      <a:pPr algn="l" fontAlgn="ctr"/>
+                      <a:r>
+                        <a:rPr lang="en-IL" sz="1500" u="none" strike="noStrike">
+                          <a:effectLst/>
+                        </a:rPr>
+                        <a:t>           24.38 </a:t>
+                      </a:r>
+                      <a:endParaRPr lang="en-IL" sz="1500" b="0" i="0" u="none" strike="noStrike">
+                        <a:solidFill>
+                          <a:srgbClr val="000000"/>
+                        </a:solidFill>
+                        <a:effectLst/>
+                        <a:latin typeface="Calibri" panose="020F0502020204030204" pitchFamily="34" charset="0"/>
+                      </a:endParaRPr>
+                    </a:p>
+                  </a:txBody>
+                  <a:tcPr anchor="ctr"/>
+                </a:tc>
+                <a:tc>
+                  <a:txBody>
+                    <a:bodyPr/>
+                    <a:lstStyle/>
+                    <a:p>
+                      <a:pPr algn="l" fontAlgn="ctr"/>
+                      <a:r>
+                        <a:rPr lang="en-IL" sz="1500" u="none" strike="noStrike">
+                          <a:effectLst/>
+                        </a:rPr>
+                        <a:t> </a:t>
+                      </a:r>
+                      <a:endParaRPr lang="en-IL" sz="1500" b="0" i="0" u="none" strike="noStrike">
+                        <a:solidFill>
+                          <a:srgbClr val="000000"/>
+                        </a:solidFill>
+                        <a:effectLst/>
+                        <a:latin typeface="Calibri" panose="020F0502020204030204" pitchFamily="34" charset="0"/>
+                      </a:endParaRPr>
+                    </a:p>
+                  </a:txBody>
+                  <a:tcPr anchor="ctr"/>
+                </a:tc>
+                <a:tc>
+                  <a:txBody>
+                    <a:bodyPr/>
+                    <a:lstStyle/>
+                    <a:p>
+                      <a:pPr algn="l" fontAlgn="ctr"/>
+                      <a:r>
+                        <a:rPr lang="en-IL" sz="1500" u="none" strike="noStrike">
+                          <a:effectLst/>
+                        </a:rPr>
+                        <a:t> </a:t>
+                      </a:r>
+                      <a:endParaRPr lang="en-IL" sz="1500" b="0" i="0" u="none" strike="noStrike">
+                        <a:solidFill>
+                          <a:srgbClr val="000000"/>
+                        </a:solidFill>
+                        <a:effectLst/>
+                        <a:latin typeface="Calibri" panose="020F0502020204030204" pitchFamily="34" charset="0"/>
+                      </a:endParaRPr>
+                    </a:p>
+                  </a:txBody>
+                  <a:tcPr anchor="ctr"/>
+                </a:tc>
+                <a:tc>
+                  <a:txBody>
+                    <a:bodyPr/>
+                    <a:lstStyle/>
+                    <a:p>
+                      <a:pPr algn="l" fontAlgn="ctr"/>
+                      <a:r>
+                        <a:rPr lang="en-IL" sz="1500" u="none" strike="noStrike">
+                          <a:effectLst/>
+                        </a:rPr>
+                        <a:t> </a:t>
+                      </a:r>
+                      <a:endParaRPr lang="en-IL" sz="1500" b="0" i="0" u="none" strike="noStrike">
+                        <a:solidFill>
+                          <a:srgbClr val="000000"/>
+                        </a:solidFill>
+                        <a:effectLst/>
+                        <a:latin typeface="Calibri" panose="020F0502020204030204" pitchFamily="34" charset="0"/>
+                      </a:endParaRPr>
+                    </a:p>
+                  </a:txBody>
+                  <a:tcPr anchor="ctr"/>
+                </a:tc>
+                <a:tc>
+                  <a:txBody>
+                    <a:bodyPr/>
+                    <a:lstStyle/>
+                    <a:p>
+                      <a:pPr algn="l" fontAlgn="ctr"/>
+                      <a:r>
+                        <a:rPr lang="en-IL" sz="1500" u="none" strike="noStrike">
+                          <a:effectLst/>
+                        </a:rPr>
+                        <a:t> </a:t>
+                      </a:r>
+                      <a:endParaRPr lang="en-IL" sz="1500" b="0" i="0" u="none" strike="noStrike">
+                        <a:solidFill>
+                          <a:srgbClr val="000000"/>
+                        </a:solidFill>
+                        <a:effectLst/>
+                        <a:latin typeface="Calibri" panose="020F0502020204030204" pitchFamily="34" charset="0"/>
+                      </a:endParaRPr>
+                    </a:p>
+                  </a:txBody>
+                  <a:tcPr anchor="ctr"/>
+                </a:tc>
+                <a:extLst>
+                  <a:ext uri="{0D108BD9-81ED-4DB2-BD59-A6C34878D82A}">
+                    <a16:rowId xmlns:a16="http://schemas.microsoft.com/office/drawing/2014/main" val="970813693"/>
+                  </a:ext>
+                </a:extLst>
+              </a:tr>
+              <a:tr h="516020">
+                <a:tc>
+                  <a:txBody>
+                    <a:bodyPr/>
+                    <a:lstStyle/>
+                    <a:p>
+                      <a:pPr algn="r" fontAlgn="ctr"/>
+                      <a:r>
+                        <a:rPr lang="en-IL" sz="1500" u="none" strike="noStrike">
+                          <a:effectLst/>
+                        </a:rPr>
+                        <a:t>1203</a:t>
+                      </a:r>
+                      <a:endParaRPr lang="en-IL" sz="1500" b="0" i="0" u="none" strike="noStrike">
+                        <a:solidFill>
+                          <a:srgbClr val="000000"/>
+                        </a:solidFill>
+                        <a:effectLst/>
+                        <a:latin typeface="Calibri" panose="020F0502020204030204" pitchFamily="34" charset="0"/>
+                      </a:endParaRPr>
+                    </a:p>
+                  </a:txBody>
+                  <a:tcPr anchor="ctr"/>
+                </a:tc>
+                <a:tc>
+                  <a:txBody>
+                    <a:bodyPr/>
+                    <a:lstStyle/>
+                    <a:p>
+                      <a:pPr algn="r" fontAlgn="ctr"/>
+                      <a:r>
+                        <a:rPr lang="en-IL" sz="1500" u="none" strike="noStrike">
+                          <a:effectLst/>
+                        </a:rPr>
+                        <a:t>283</a:t>
+                      </a:r>
+                      <a:endParaRPr lang="en-IL" sz="1500" b="0" i="0" u="none" strike="noStrike">
+                        <a:solidFill>
+                          <a:srgbClr val="000000"/>
+                        </a:solidFill>
+                        <a:effectLst/>
+                        <a:latin typeface="Calibri" panose="020F0502020204030204" pitchFamily="34" charset="0"/>
+                      </a:endParaRPr>
+                    </a:p>
+                  </a:txBody>
+                  <a:tcPr anchor="ctr"/>
+                </a:tc>
+                <a:tc>
+                  <a:txBody>
+                    <a:bodyPr/>
+                    <a:lstStyle/>
+                    <a:p>
+                      <a:pPr algn="l" fontAlgn="ctr"/>
+                      <a:r>
+                        <a:rPr lang="en-IL" sz="1500" u="none" strike="noStrike">
+                          <a:effectLst/>
+                        </a:rPr>
+                        <a:t>           20.56 </a:t>
+                      </a:r>
+                      <a:endParaRPr lang="en-IL" sz="1500" b="0" i="0" u="none" strike="noStrike">
+                        <a:solidFill>
+                          <a:srgbClr val="000000"/>
+                        </a:solidFill>
+                        <a:effectLst/>
+                        <a:latin typeface="Calibri" panose="020F0502020204030204" pitchFamily="34" charset="0"/>
+                      </a:endParaRPr>
+                    </a:p>
+                  </a:txBody>
+                  <a:tcPr anchor="ctr"/>
+                </a:tc>
+                <a:tc>
+                  <a:txBody>
+                    <a:bodyPr/>
+                    <a:lstStyle/>
+                    <a:p>
+                      <a:pPr algn="l" fontAlgn="ctr"/>
+                      <a:r>
+                        <a:rPr lang="en-US" sz="1500" u="none" strike="noStrike">
+                          <a:effectLst/>
+                        </a:rPr>
+                        <a:t>hypothetical protein, partial [Mesorhizobium sp. YM1C-6-2] &gt;gb|RLP24073.1| hypothetical protein ...</a:t>
+                      </a:r>
+                      <a:endParaRPr lang="en-US" sz="1500" b="0" i="0" u="none" strike="noStrike">
+                        <a:solidFill>
+                          <a:srgbClr val="000000"/>
+                        </a:solidFill>
+                        <a:effectLst/>
+                        <a:latin typeface="Calibri" panose="020F0502020204030204" pitchFamily="34" charset="0"/>
+                      </a:endParaRPr>
+                    </a:p>
+                  </a:txBody>
+                  <a:tcPr anchor="ctr"/>
+                </a:tc>
+                <a:tc>
+                  <a:txBody>
+                    <a:bodyPr/>
+                    <a:lstStyle/>
+                    <a:p>
+                      <a:pPr algn="l" fontAlgn="ctr"/>
+                      <a:r>
+                        <a:rPr lang="en-US" sz="1500" u="none" strike="noStrike">
+                          <a:effectLst/>
+                        </a:rPr>
+                        <a:t>WP_121582627</a:t>
+                      </a:r>
+                      <a:endParaRPr lang="en-US" sz="1500" b="0" i="0" u="none" strike="noStrike">
+                        <a:solidFill>
+                          <a:srgbClr val="000000"/>
+                        </a:solidFill>
+                        <a:effectLst/>
+                        <a:latin typeface="Calibri" panose="020F0502020204030204" pitchFamily="34" charset="0"/>
+                      </a:endParaRPr>
+                    </a:p>
+                  </a:txBody>
+                  <a:tcPr anchor="ctr"/>
+                </a:tc>
+                <a:tc>
+                  <a:txBody>
+                    <a:bodyPr/>
+                    <a:lstStyle/>
+                    <a:p>
+                      <a:pPr algn="r" fontAlgn="ctr"/>
+                      <a:r>
+                        <a:rPr lang="en-IL" sz="1500" u="none" strike="noStrike">
+                          <a:effectLst/>
+                        </a:rPr>
+                        <a:t>0.18</a:t>
+                      </a:r>
+                      <a:endParaRPr lang="en-IL" sz="1500" b="0" i="0" u="none" strike="noStrike">
+                        <a:solidFill>
+                          <a:srgbClr val="000000"/>
+                        </a:solidFill>
+                        <a:effectLst/>
+                        <a:latin typeface="Calibri" panose="020F0502020204030204" pitchFamily="34" charset="0"/>
+                      </a:endParaRPr>
+                    </a:p>
+                  </a:txBody>
+                  <a:tcPr anchor="ctr"/>
+                </a:tc>
+                <a:tc>
+                  <a:txBody>
+                    <a:bodyPr/>
+                    <a:lstStyle/>
+                    <a:p>
+                      <a:pPr algn="r" fontAlgn="ctr"/>
+                      <a:r>
+                        <a:rPr lang="en-IL" sz="1500" u="none" strike="noStrike" dirty="0">
+                          <a:effectLst/>
+                        </a:rPr>
+                        <a:t>0.11</a:t>
+                      </a:r>
+                      <a:endParaRPr lang="en-IL" sz="1500" b="0" i="0" u="none" strike="noStrike" dirty="0">
+                        <a:solidFill>
+                          <a:srgbClr val="000000"/>
+                        </a:solidFill>
+                        <a:effectLst/>
+                        <a:latin typeface="Calibri" panose="020F0502020204030204" pitchFamily="34" charset="0"/>
+                      </a:endParaRPr>
+                    </a:p>
+                  </a:txBody>
+                  <a:tcPr anchor="ctr"/>
+                </a:tc>
+                <a:extLst>
+                  <a:ext uri="{0D108BD9-81ED-4DB2-BD59-A6C34878D82A}">
+                    <a16:rowId xmlns:a16="http://schemas.microsoft.com/office/drawing/2014/main" val="2524984508"/>
+                  </a:ext>
+                </a:extLst>
+              </a:tr>
+            </a:tbl>
+          </a:graphicData>
+        </a:graphic>
+      </p:graphicFrame>
+      <p:pic>
+        <p:nvPicPr>
+          <p:cNvPr id="2050" name="Picture 2">
+            <a:extLst>
+              <a:ext uri="{FF2B5EF4-FFF2-40B4-BE49-F238E27FC236}">
+                <a16:creationId xmlns:a16="http://schemas.microsoft.com/office/drawing/2014/main" id="{AAD80834-2270-40F0-BE2B-C33D3E2141EB}"/>
+              </a:ext>
+            </a:extLst>
+          </p:cNvPr>
+          <p:cNvPicPr>
+            <a:picLocks noChangeAspect="1" noChangeArrowheads="1"/>
+          </p:cNvPicPr>
+          <p:nvPr/>
+        </p:nvPicPr>
+        <p:blipFill>
+          <a:blip r:embed="rId2">
+            <a:extLst>
+              <a:ext uri="{28A0092B-C50C-407E-A947-70E740481C1C}">
+                <a14:useLocalDpi xmlns:a14="http://schemas.microsoft.com/office/drawing/2010/main" val="0"/>
+              </a:ext>
+            </a:extLst>
+          </a:blip>
+          <a:srcRect/>
+          <a:stretch>
+            <a:fillRect/>
+          </a:stretch>
+        </p:blipFill>
+        <p:spPr bwMode="auto">
+          <a:xfrm>
+            <a:off x="8246347" y="458768"/>
+            <a:ext cx="2924773" cy="2075452"/>
+          </a:xfrm>
+          <a:prstGeom prst="rect">
+            <a:avLst/>
+          </a:prstGeom>
+          <a:noFill/>
+          <a:extLst>
+            <a:ext uri="{909E8E84-426E-40DD-AFC4-6F175D3DCCD1}">
+              <a14:hiddenFill xmlns:a14="http://schemas.microsoft.com/office/drawing/2010/main">
+                <a:solidFill>
+                  <a:srgbClr val="FFFFFF"/>
+                </a:solidFill>
+              </a14:hiddenFill>
+            </a:ext>
+          </a:extLst>
+        </p:spPr>
+      </p:pic>
+      <p:sp>
+        <p:nvSpPr>
+          <p:cNvPr id="13" name="TextBox 12">
+            <a:extLst>
+              <a:ext uri="{FF2B5EF4-FFF2-40B4-BE49-F238E27FC236}">
+                <a16:creationId xmlns:a16="http://schemas.microsoft.com/office/drawing/2014/main" id="{F402531E-5F5F-495E-A1B7-667D0EEDF9F3}"/>
+              </a:ext>
+            </a:extLst>
+          </p:cNvPr>
+          <p:cNvSpPr txBox="1"/>
+          <p:nvPr/>
+        </p:nvSpPr>
+        <p:spPr>
+          <a:xfrm>
+            <a:off x="2184539" y="6017992"/>
+            <a:ext cx="7188061" cy="369332"/>
+          </a:xfrm>
+          <a:prstGeom prst="rect">
+            <a:avLst/>
+          </a:prstGeom>
+          <a:noFill/>
+        </p:spPr>
+        <p:txBody>
+          <a:bodyPr wrap="square">
+            <a:spAutoFit/>
+          </a:bodyPr>
+          <a:lstStyle/>
+          <a:p>
+            <a:r>
+              <a:rPr lang="LID4096" dirty="0">
+                <a:hlinkClick r:id="rId3"/>
+              </a:rPr>
+              <a:t>https://blast.ncbi.nlm.nih.gov/Blast.cgi?CMD=Get&amp;RID=JKMWMHBA014</a:t>
+            </a:r>
+            <a:r>
+              <a:rPr lang="en-US" dirty="0"/>
+              <a:t> </a:t>
+            </a:r>
+            <a:endParaRPr lang="LID4096" dirty="0"/>
+          </a:p>
+        </p:txBody>
+      </p:sp>
+    </p:spTree>
+    <p:extLst>
+      <p:ext uri="{BB962C8B-B14F-4D97-AF65-F5344CB8AC3E}">
+        <p14:creationId xmlns:p14="http://schemas.microsoft.com/office/powerpoint/2010/main" val="424288829"/>
+      </p:ext>
+    </p:extLst>
+  </p:cSld>
+  <p:clrMapOvr>
+    <a:masterClrMapping/>
+  </p:clrMapOvr>
+</p:sld>
+</file>
+
+<file path=ppt/slides/slide20.xml><?xml version="1.0" encoding="utf-8"?>
 <p:sld xmlns:a="http://schemas.openxmlformats.org/drawingml/2006/main" xmlns:r="http://schemas.openxmlformats.org/officeDocument/2006/relationships" xmlns:p="http://schemas.openxmlformats.org/presentationml/2006/main">
   <p:cSld>
     <p:spTree>
@@ -15497,1326 +16848,6 @@
     <p:extLst>
       <p:ext uri="{BB962C8B-B14F-4D97-AF65-F5344CB8AC3E}">
         <p14:creationId xmlns:p14="http://schemas.microsoft.com/office/powerpoint/2010/main" val="289978312"/>
-      </p:ext>
-    </p:extLst>
-  </p:cSld>
-  <p:clrMapOvr>
-    <a:masterClrMapping/>
-  </p:clrMapOvr>
-</p:sld>
-</file>
-
-<file path=ppt/slides/slide2.xml><?xml version="1.0" encoding="utf-8"?>
-<p:sld xmlns:a="http://schemas.openxmlformats.org/drawingml/2006/main" xmlns:r="http://schemas.openxmlformats.org/officeDocument/2006/relationships" xmlns:p="http://schemas.openxmlformats.org/presentationml/2006/main">
-  <p:cSld>
-    <p:bg>
-      <p:bgPr>
-        <a:solidFill>
-          <a:schemeClr val="bg1"/>
-        </a:solidFill>
-        <a:effectLst/>
-      </p:bgPr>
-    </p:bg>
-    <p:spTree>
-      <p:nvGrpSpPr>
-        <p:cNvPr id="1" name=""/>
-        <p:cNvGrpSpPr/>
-        <p:nvPr/>
-      </p:nvGrpSpPr>
-      <p:grpSpPr>
-        <a:xfrm>
-          <a:off x="0" y="0"/>
-          <a:ext cx="0" cy="0"/>
-          <a:chOff x="0" y="0"/>
-          <a:chExt cx="0" cy="0"/>
-        </a:xfrm>
-      </p:grpSpPr>
-      <p:sp useBgFill="1">
-        <p:nvSpPr>
-          <p:cNvPr id="12" name="Rectangle 11">
-            <a:extLst>
-              <a:ext uri="{FF2B5EF4-FFF2-40B4-BE49-F238E27FC236}">
-                <a16:creationId xmlns:a16="http://schemas.microsoft.com/office/drawing/2014/main" id="{1A95671B-3CC6-4792-9114-B74FAEA224E6}"/>
-              </a:ext>
-              <a:ext uri="{C183D7F6-B498-43B3-948B-1728B52AA6E4}">
-                <adec:decorative xmlns:adec="http://schemas.microsoft.com/office/drawing/2017/decorative" val="1"/>
-              </a:ext>
-            </a:extLst>
-          </p:cNvPr>
-          <p:cNvSpPr>
-            <a:spLocks noGrp="1" noRot="1" noChangeAspect="1" noMove="1" noResize="1" noEditPoints="1" noAdjustHandles="1" noChangeArrowheads="1" noChangeShapeType="1" noTextEdit="1"/>
-          </p:cNvSpPr>
-          <p:nvPr>
-            <p:extLst>
-              <p:ext uri="{386F3935-93C4-4BCD-93E2-E3B085C9AB24}">
-                <p16:designElem xmlns:p16="http://schemas.microsoft.com/office/powerpoint/2015/main" val="1"/>
-              </p:ext>
-            </p:extLst>
-          </p:nvPr>
-        </p:nvSpPr>
-        <p:spPr>
-          <a:xfrm>
-            <a:off x="0" y="0"/>
-            <a:ext cx="12188952" cy="6858000"/>
-          </a:xfrm>
-          <a:prstGeom prst="rect">
-            <a:avLst/>
-          </a:prstGeom>
-          <a:ln>
-            <a:noFill/>
-          </a:ln>
-        </p:spPr>
-        <p:style>
-          <a:lnRef idx="2">
-            <a:schemeClr val="accent1">
-              <a:shade val="50000"/>
-            </a:schemeClr>
-          </a:lnRef>
-          <a:fillRef idx="1">
-            <a:schemeClr val="accent1"/>
-          </a:fillRef>
-          <a:effectRef idx="0">
-            <a:schemeClr val="accent1"/>
-          </a:effectRef>
-          <a:fontRef idx="minor">
-            <a:schemeClr val="lt1"/>
-          </a:fontRef>
-        </p:style>
-        <p:txBody>
-          <a:bodyPr rtlCol="0" anchor="ctr"/>
-          <a:lstStyle/>
-          <a:p>
-            <a:pPr algn="ctr"/>
-            <a:endParaRPr lang="en-US"/>
-          </a:p>
-        </p:txBody>
-      </p:sp>
-      <p:sp>
-        <p:nvSpPr>
-          <p:cNvPr id="2" name="Title 1">
-            <a:extLst>
-              <a:ext uri="{FF2B5EF4-FFF2-40B4-BE49-F238E27FC236}">
-                <a16:creationId xmlns:a16="http://schemas.microsoft.com/office/drawing/2014/main" id="{C60CA67B-52C5-4E4E-8161-B3EEF92F37DB}"/>
-              </a:ext>
-            </a:extLst>
-          </p:cNvPr>
-          <p:cNvSpPr>
-            <a:spLocks noGrp="1"/>
-          </p:cNvSpPr>
-          <p:nvPr>
-            <p:ph type="title"/>
-          </p:nvPr>
-        </p:nvSpPr>
-        <p:spPr>
-          <a:xfrm>
-            <a:off x="835155" y="552906"/>
-            <a:ext cx="5165936" cy="1674904"/>
-          </a:xfrm>
-        </p:spPr>
-        <p:txBody>
-          <a:bodyPr anchor="ctr">
-            <a:normAutofit/>
-          </a:bodyPr>
-          <a:lstStyle/>
-          <a:p>
-            <a:r>
-              <a:rPr lang="en-US" sz="3700" kern="1200">
-                <a:latin typeface="+mj-lt"/>
-                <a:ea typeface="+mj-ea"/>
-                <a:cs typeface="+mj-cs"/>
-              </a:rPr>
-              <a:t>Unmapped Axenic MIT0604 top cover contigs</a:t>
-            </a:r>
-            <a:endParaRPr lang="LID4096" sz="3700"/>
-          </a:p>
-        </p:txBody>
-      </p:sp>
-      <p:graphicFrame>
-        <p:nvGraphicFramePr>
-          <p:cNvPr id="7" name="Content Placeholder 3">
-            <a:extLst>
-              <a:ext uri="{FF2B5EF4-FFF2-40B4-BE49-F238E27FC236}">
-                <a16:creationId xmlns:a16="http://schemas.microsoft.com/office/drawing/2014/main" id="{68D37252-F6B9-43CD-9419-E7C8089FFF2C}"/>
-              </a:ext>
-            </a:extLst>
-          </p:cNvPr>
-          <p:cNvGraphicFramePr>
-            <a:graphicFrameLocks/>
-          </p:cNvGraphicFramePr>
-          <p:nvPr>
-            <p:extLst>
-              <p:ext uri="{D42A27DB-BD31-4B8C-83A1-F6EECF244321}">
-                <p14:modId xmlns:p14="http://schemas.microsoft.com/office/powerpoint/2010/main" val="3453164767"/>
-              </p:ext>
-            </p:extLst>
-          </p:nvPr>
-        </p:nvGraphicFramePr>
-        <p:xfrm>
-          <a:off x="835166" y="3272052"/>
-          <a:ext cx="10728522" cy="2377440"/>
-        </p:xfrm>
-        <a:graphic>
-          <a:graphicData uri="http://schemas.openxmlformats.org/drawingml/2006/table">
-            <a:tbl>
-              <a:tblPr firstRow="1" bandRow="1">
-                <a:tableStyleId>{5C22544A-7EE6-4342-B048-85BDC9FD1C3A}</a:tableStyleId>
-              </a:tblPr>
-              <a:tblGrid>
-                <a:gridCol w="651193">
-                  <a:extLst>
-                    <a:ext uri="{9D8B030D-6E8A-4147-A177-3AD203B41FA5}">
-                      <a16:colId xmlns:a16="http://schemas.microsoft.com/office/drawing/2014/main" val="3628119835"/>
-                    </a:ext>
-                  </a:extLst>
-                </a:gridCol>
-                <a:gridCol w="760921">
-                  <a:extLst>
-                    <a:ext uri="{9D8B030D-6E8A-4147-A177-3AD203B41FA5}">
-                      <a16:colId xmlns:a16="http://schemas.microsoft.com/office/drawing/2014/main" val="3084846701"/>
-                    </a:ext>
-                  </a:extLst>
-                </a:gridCol>
-                <a:gridCol w="1186180">
-                  <a:extLst>
-                    <a:ext uri="{9D8B030D-6E8A-4147-A177-3AD203B41FA5}">
-                      <a16:colId xmlns:a16="http://schemas.microsoft.com/office/drawing/2014/main" val="1163834225"/>
-                    </a:ext>
-                  </a:extLst>
-                </a:gridCol>
-                <a:gridCol w="5402078">
-                  <a:extLst>
-                    <a:ext uri="{9D8B030D-6E8A-4147-A177-3AD203B41FA5}">
-                      <a16:colId xmlns:a16="http://schemas.microsoft.com/office/drawing/2014/main" val="3215518728"/>
-                    </a:ext>
-                  </a:extLst>
-                </a:gridCol>
-                <a:gridCol w="1460818">
-                  <a:extLst>
-                    <a:ext uri="{9D8B030D-6E8A-4147-A177-3AD203B41FA5}">
-                      <a16:colId xmlns:a16="http://schemas.microsoft.com/office/drawing/2014/main" val="1253429339"/>
-                    </a:ext>
-                  </a:extLst>
-                </a:gridCol>
-                <a:gridCol w="627443">
-                  <a:extLst>
-                    <a:ext uri="{9D8B030D-6E8A-4147-A177-3AD203B41FA5}">
-                      <a16:colId xmlns:a16="http://schemas.microsoft.com/office/drawing/2014/main" val="1209038838"/>
-                    </a:ext>
-                  </a:extLst>
-                </a:gridCol>
-                <a:gridCol w="639889">
-                  <a:extLst>
-                    <a:ext uri="{9D8B030D-6E8A-4147-A177-3AD203B41FA5}">
-                      <a16:colId xmlns:a16="http://schemas.microsoft.com/office/drawing/2014/main" val="2898926293"/>
-                    </a:ext>
-                  </a:extLst>
-                </a:gridCol>
-              </a:tblGrid>
-              <a:tr h="283388">
-                <a:tc>
-                  <a:txBody>
-                    <a:bodyPr/>
-                    <a:lstStyle/>
-                    <a:p>
-                      <a:pPr algn="ctr" fontAlgn="ctr"/>
-                      <a:r>
-                        <a:rPr lang="en-US" sz="1500" u="none" strike="noStrike">
-                          <a:effectLst/>
-                        </a:rPr>
-                        <a:t>Node</a:t>
-                      </a:r>
-                      <a:endParaRPr lang="en-US" sz="1500" b="1" i="0" u="none" strike="noStrike">
-                        <a:solidFill>
-                          <a:srgbClr val="000000"/>
-                        </a:solidFill>
-                        <a:effectLst/>
-                        <a:latin typeface="Calibri" panose="020F0502020204030204" pitchFamily="34" charset="0"/>
-                      </a:endParaRPr>
-                    </a:p>
-                  </a:txBody>
-                  <a:tcPr anchor="ctr"/>
-                </a:tc>
-                <a:tc>
-                  <a:txBody>
-                    <a:bodyPr/>
-                    <a:lstStyle/>
-                    <a:p>
-                      <a:pPr algn="ctr" fontAlgn="ctr"/>
-                      <a:r>
-                        <a:rPr lang="en-US" sz="1500" u="none" strike="noStrike">
-                          <a:effectLst/>
-                        </a:rPr>
-                        <a:t>Length</a:t>
-                      </a:r>
-                      <a:endParaRPr lang="en-US" sz="1500" b="1" i="0" u="none" strike="noStrike">
-                        <a:solidFill>
-                          <a:srgbClr val="000000"/>
-                        </a:solidFill>
-                        <a:effectLst/>
-                        <a:latin typeface="Calibri" panose="020F0502020204030204" pitchFamily="34" charset="0"/>
-                      </a:endParaRPr>
-                    </a:p>
-                  </a:txBody>
-                  <a:tcPr anchor="ctr"/>
-                </a:tc>
-                <a:tc>
-                  <a:txBody>
-                    <a:bodyPr/>
-                    <a:lstStyle/>
-                    <a:p>
-                      <a:pPr algn="ctr" fontAlgn="ctr"/>
-                      <a:r>
-                        <a:rPr lang="en-US" sz="1500" u="none" strike="noStrike">
-                          <a:effectLst/>
-                        </a:rPr>
-                        <a:t> Coverage </a:t>
-                      </a:r>
-                      <a:endParaRPr lang="en-US" sz="1500" b="1" i="0" u="none" strike="noStrike">
-                        <a:solidFill>
-                          <a:srgbClr val="000000"/>
-                        </a:solidFill>
-                        <a:effectLst/>
-                        <a:latin typeface="Calibri" panose="020F0502020204030204" pitchFamily="34" charset="0"/>
-                      </a:endParaRPr>
-                    </a:p>
-                  </a:txBody>
-                  <a:tcPr anchor="ctr"/>
-                </a:tc>
-                <a:tc>
-                  <a:txBody>
-                    <a:bodyPr/>
-                    <a:lstStyle/>
-                    <a:p>
-                      <a:pPr algn="ctr" fontAlgn="ctr"/>
-                      <a:r>
-                        <a:rPr lang="en-US" sz="1500" u="none" strike="noStrike">
-                          <a:effectLst/>
-                        </a:rPr>
-                        <a:t>Subject</a:t>
-                      </a:r>
-                      <a:endParaRPr lang="en-US" sz="1500" b="1" i="0" u="none" strike="noStrike">
-                        <a:solidFill>
-                          <a:srgbClr val="000000"/>
-                        </a:solidFill>
-                        <a:effectLst/>
-                        <a:latin typeface="Calibri" panose="020F0502020204030204" pitchFamily="34" charset="0"/>
-                      </a:endParaRPr>
-                    </a:p>
-                  </a:txBody>
-                  <a:tcPr anchor="ctr"/>
-                </a:tc>
-                <a:tc>
-                  <a:txBody>
-                    <a:bodyPr/>
-                    <a:lstStyle/>
-                    <a:p>
-                      <a:pPr algn="ctr" fontAlgn="ctr"/>
-                      <a:r>
-                        <a:rPr lang="en-US" sz="1500" u="none" strike="noStrike">
-                          <a:effectLst/>
-                        </a:rPr>
-                        <a:t>Accession</a:t>
-                      </a:r>
-                      <a:endParaRPr lang="en-US" sz="1500" b="1" i="0" u="none" strike="noStrike">
-                        <a:solidFill>
-                          <a:srgbClr val="000000"/>
-                        </a:solidFill>
-                        <a:effectLst/>
-                        <a:latin typeface="Calibri" panose="020F0502020204030204" pitchFamily="34" charset="0"/>
-                      </a:endParaRPr>
-                    </a:p>
-                  </a:txBody>
-                  <a:tcPr anchor="ctr"/>
-                </a:tc>
-                <a:tc>
-                  <a:txBody>
-                    <a:bodyPr/>
-                    <a:lstStyle/>
-                    <a:p>
-                      <a:pPr algn="ctr" fontAlgn="ctr"/>
-                      <a:r>
-                        <a:rPr lang="en-US" sz="1500" u="none" strike="noStrike">
-                          <a:effectLst/>
-                        </a:rPr>
-                        <a:t>Qcov</a:t>
-                      </a:r>
-                      <a:endParaRPr lang="en-US" sz="1500" b="1" i="0" u="none" strike="noStrike">
-                        <a:solidFill>
-                          <a:srgbClr val="000000"/>
-                        </a:solidFill>
-                        <a:effectLst/>
-                        <a:latin typeface="Calibri" panose="020F0502020204030204" pitchFamily="34" charset="0"/>
-                      </a:endParaRPr>
-                    </a:p>
-                  </a:txBody>
-                  <a:tcPr anchor="ctr"/>
-                </a:tc>
-                <a:tc>
-                  <a:txBody>
-                    <a:bodyPr/>
-                    <a:lstStyle/>
-                    <a:p>
-                      <a:pPr algn="ctr" fontAlgn="ctr"/>
-                      <a:r>
-                        <a:rPr lang="en-US" sz="1500" u="none" strike="noStrike">
-                          <a:effectLst/>
-                        </a:rPr>
-                        <a:t>Ident</a:t>
-                      </a:r>
-                      <a:endParaRPr lang="en-US" sz="1500" b="1" i="0" u="none" strike="noStrike">
-                        <a:solidFill>
-                          <a:srgbClr val="000000"/>
-                        </a:solidFill>
-                        <a:effectLst/>
-                        <a:latin typeface="Calibri" panose="020F0502020204030204" pitchFamily="34" charset="0"/>
-                      </a:endParaRPr>
-                    </a:p>
-                  </a:txBody>
-                  <a:tcPr anchor="ctr"/>
-                </a:tc>
-                <a:extLst>
-                  <a:ext uri="{0D108BD9-81ED-4DB2-BD59-A6C34878D82A}">
-                    <a16:rowId xmlns:a16="http://schemas.microsoft.com/office/drawing/2014/main" val="3734840492"/>
-                  </a:ext>
-                </a:extLst>
-              </a:tr>
-              <a:tr h="283388">
-                <a:tc>
-                  <a:txBody>
-                    <a:bodyPr/>
-                    <a:lstStyle/>
-                    <a:p>
-                      <a:pPr algn="r" fontAlgn="ctr"/>
-                      <a:r>
-                        <a:rPr lang="en-IL" sz="1500" u="none" strike="noStrike">
-                          <a:effectLst/>
-                        </a:rPr>
-                        <a:t>1224</a:t>
-                      </a:r>
-                      <a:endParaRPr lang="en-IL" sz="1500" b="0" i="0" u="none" strike="noStrike">
-                        <a:solidFill>
-                          <a:srgbClr val="000000"/>
-                        </a:solidFill>
-                        <a:effectLst/>
-                        <a:latin typeface="Calibri" panose="020F0502020204030204" pitchFamily="34" charset="0"/>
-                      </a:endParaRPr>
-                    </a:p>
-                  </a:txBody>
-                  <a:tcPr anchor="ctr"/>
-                </a:tc>
-                <a:tc>
-                  <a:txBody>
-                    <a:bodyPr/>
-                    <a:lstStyle/>
-                    <a:p>
-                      <a:pPr algn="r" fontAlgn="ctr"/>
-                      <a:r>
-                        <a:rPr lang="en-IL" sz="1500" u="none" strike="noStrike">
-                          <a:effectLst/>
-                        </a:rPr>
-                        <a:t>128</a:t>
-                      </a:r>
-                      <a:endParaRPr lang="en-IL" sz="1500" b="0" i="0" u="none" strike="noStrike">
-                        <a:solidFill>
-                          <a:srgbClr val="000000"/>
-                        </a:solidFill>
-                        <a:effectLst/>
-                        <a:latin typeface="Calibri" panose="020F0502020204030204" pitchFamily="34" charset="0"/>
-                      </a:endParaRPr>
-                    </a:p>
-                  </a:txBody>
-                  <a:tcPr anchor="ctr"/>
-                </a:tc>
-                <a:tc>
-                  <a:txBody>
-                    <a:bodyPr/>
-                    <a:lstStyle/>
-                    <a:p>
-                      <a:pPr algn="l" fontAlgn="ctr"/>
-                      <a:r>
-                        <a:rPr lang="en-IL" sz="1500" u="none" strike="noStrike">
-                          <a:effectLst/>
-                        </a:rPr>
-                        <a:t>         553.00 </a:t>
-                      </a:r>
-                      <a:endParaRPr lang="en-IL" sz="1500" b="0" i="0" u="none" strike="noStrike">
-                        <a:solidFill>
-                          <a:srgbClr val="000000"/>
-                        </a:solidFill>
-                        <a:effectLst/>
-                        <a:latin typeface="Calibri" panose="020F0502020204030204" pitchFamily="34" charset="0"/>
-                      </a:endParaRPr>
-                    </a:p>
-                  </a:txBody>
-                  <a:tcPr anchor="ctr"/>
-                </a:tc>
-                <a:tc>
-                  <a:txBody>
-                    <a:bodyPr/>
-                    <a:lstStyle/>
-                    <a:p>
-                      <a:pPr algn="l" fontAlgn="ctr"/>
-                      <a:r>
-                        <a:rPr lang="en-IL" sz="1500" u="none" strike="noStrike">
-                          <a:effectLst/>
-                        </a:rPr>
-                        <a:t> </a:t>
-                      </a:r>
-                      <a:endParaRPr lang="en-IL" sz="1500" b="0" i="0" u="none" strike="noStrike">
-                        <a:solidFill>
-                          <a:srgbClr val="000000"/>
-                        </a:solidFill>
-                        <a:effectLst/>
-                        <a:latin typeface="Calibri" panose="020F0502020204030204" pitchFamily="34" charset="0"/>
-                      </a:endParaRPr>
-                    </a:p>
-                  </a:txBody>
-                  <a:tcPr anchor="ctr"/>
-                </a:tc>
-                <a:tc>
-                  <a:txBody>
-                    <a:bodyPr/>
-                    <a:lstStyle/>
-                    <a:p>
-                      <a:pPr algn="l" fontAlgn="ctr"/>
-                      <a:r>
-                        <a:rPr lang="en-IL" sz="1500" u="none" strike="noStrike">
-                          <a:effectLst/>
-                        </a:rPr>
-                        <a:t> </a:t>
-                      </a:r>
-                      <a:endParaRPr lang="en-IL" sz="1500" b="0" i="0" u="none" strike="noStrike">
-                        <a:solidFill>
-                          <a:srgbClr val="000000"/>
-                        </a:solidFill>
-                        <a:effectLst/>
-                        <a:latin typeface="Calibri" panose="020F0502020204030204" pitchFamily="34" charset="0"/>
-                      </a:endParaRPr>
-                    </a:p>
-                  </a:txBody>
-                  <a:tcPr anchor="ctr"/>
-                </a:tc>
-                <a:tc>
-                  <a:txBody>
-                    <a:bodyPr/>
-                    <a:lstStyle/>
-                    <a:p>
-                      <a:pPr algn="l" fontAlgn="ctr"/>
-                      <a:r>
-                        <a:rPr lang="en-IL" sz="1500" u="none" strike="noStrike">
-                          <a:effectLst/>
-                        </a:rPr>
-                        <a:t> </a:t>
-                      </a:r>
-                      <a:endParaRPr lang="en-IL" sz="1500" b="0" i="0" u="none" strike="noStrike">
-                        <a:solidFill>
-                          <a:srgbClr val="000000"/>
-                        </a:solidFill>
-                        <a:effectLst/>
-                        <a:latin typeface="Calibri" panose="020F0502020204030204" pitchFamily="34" charset="0"/>
-                      </a:endParaRPr>
-                    </a:p>
-                  </a:txBody>
-                  <a:tcPr anchor="ctr"/>
-                </a:tc>
-                <a:tc>
-                  <a:txBody>
-                    <a:bodyPr/>
-                    <a:lstStyle/>
-                    <a:p>
-                      <a:pPr algn="l" fontAlgn="ctr"/>
-                      <a:r>
-                        <a:rPr lang="en-IL" sz="1500" u="none" strike="noStrike">
-                          <a:effectLst/>
-                        </a:rPr>
-                        <a:t> </a:t>
-                      </a:r>
-                      <a:endParaRPr lang="en-IL" sz="1500" b="0" i="0" u="none" strike="noStrike">
-                        <a:solidFill>
-                          <a:srgbClr val="000000"/>
-                        </a:solidFill>
-                        <a:effectLst/>
-                        <a:latin typeface="Calibri" panose="020F0502020204030204" pitchFamily="34" charset="0"/>
-                      </a:endParaRPr>
-                    </a:p>
-                  </a:txBody>
-                  <a:tcPr anchor="ctr"/>
-                </a:tc>
-                <a:extLst>
-                  <a:ext uri="{0D108BD9-81ED-4DB2-BD59-A6C34878D82A}">
-                    <a16:rowId xmlns:a16="http://schemas.microsoft.com/office/drawing/2014/main" val="814158306"/>
-                  </a:ext>
-                </a:extLst>
-              </a:tr>
-              <a:tr h="283388">
-                <a:tc>
-                  <a:txBody>
-                    <a:bodyPr/>
-                    <a:lstStyle/>
-                    <a:p>
-                      <a:pPr algn="r" fontAlgn="ctr"/>
-                      <a:r>
-                        <a:rPr lang="en-IL" sz="1500" u="none" strike="noStrike">
-                          <a:effectLst/>
-                        </a:rPr>
-                        <a:t>490</a:t>
-                      </a:r>
-                      <a:endParaRPr lang="en-IL" sz="1500" b="0" i="0" u="none" strike="noStrike">
-                        <a:solidFill>
-                          <a:srgbClr val="000000"/>
-                        </a:solidFill>
-                        <a:effectLst/>
-                        <a:latin typeface="Calibri" panose="020F0502020204030204" pitchFamily="34" charset="0"/>
-                      </a:endParaRPr>
-                    </a:p>
-                  </a:txBody>
-                  <a:tcPr anchor="ctr"/>
-                </a:tc>
-                <a:tc>
-                  <a:txBody>
-                    <a:bodyPr/>
-                    <a:lstStyle/>
-                    <a:p>
-                      <a:pPr algn="r" fontAlgn="ctr"/>
-                      <a:r>
-                        <a:rPr lang="en-IL" sz="1500" u="none" strike="noStrike">
-                          <a:effectLst/>
-                        </a:rPr>
-                        <a:t>1652</a:t>
-                      </a:r>
-                      <a:endParaRPr lang="en-IL" sz="1500" b="0" i="0" u="none" strike="noStrike">
-                        <a:solidFill>
-                          <a:srgbClr val="000000"/>
-                        </a:solidFill>
-                        <a:effectLst/>
-                        <a:latin typeface="Calibri" panose="020F0502020204030204" pitchFamily="34" charset="0"/>
-                      </a:endParaRPr>
-                    </a:p>
-                  </a:txBody>
-                  <a:tcPr anchor="ctr"/>
-                </a:tc>
-                <a:tc>
-                  <a:txBody>
-                    <a:bodyPr/>
-                    <a:lstStyle/>
-                    <a:p>
-                      <a:pPr algn="l" fontAlgn="ctr"/>
-                      <a:r>
-                        <a:rPr lang="en-IL" sz="1500" u="none" strike="noStrike">
-                          <a:effectLst/>
-                        </a:rPr>
-                        <a:t>           28.50 </a:t>
-                      </a:r>
-                      <a:endParaRPr lang="en-IL" sz="1500" b="0" i="0" u="none" strike="noStrike">
-                        <a:solidFill>
-                          <a:srgbClr val="000000"/>
-                        </a:solidFill>
-                        <a:effectLst/>
-                        <a:latin typeface="Calibri" panose="020F0502020204030204" pitchFamily="34" charset="0"/>
-                      </a:endParaRPr>
-                    </a:p>
-                  </a:txBody>
-                  <a:tcPr anchor="ctr"/>
-                </a:tc>
-                <a:tc>
-                  <a:txBody>
-                    <a:bodyPr/>
-                    <a:lstStyle/>
-                    <a:p>
-                      <a:pPr algn="l" fontAlgn="ctr"/>
-                      <a:r>
-                        <a:rPr lang="en-US" sz="1500" u="none" strike="noStrike">
-                          <a:effectLst/>
-                        </a:rPr>
-                        <a:t>IS1380 family transposase [Marinobacter sp. B9-2]</a:t>
-                      </a:r>
-                      <a:endParaRPr lang="en-US" sz="1500" b="0" i="0" u="none" strike="noStrike">
-                        <a:solidFill>
-                          <a:srgbClr val="000000"/>
-                        </a:solidFill>
-                        <a:effectLst/>
-                        <a:latin typeface="Calibri" panose="020F0502020204030204" pitchFamily="34" charset="0"/>
-                      </a:endParaRPr>
-                    </a:p>
-                  </a:txBody>
-                  <a:tcPr anchor="ctr"/>
-                </a:tc>
-                <a:tc>
-                  <a:txBody>
-                    <a:bodyPr/>
-                    <a:lstStyle/>
-                    <a:p>
-                      <a:pPr algn="l" fontAlgn="ctr"/>
-                      <a:r>
-                        <a:rPr lang="en-US" sz="1500" u="none" strike="noStrike">
-                          <a:effectLst/>
-                        </a:rPr>
-                        <a:t>PTB93145</a:t>
-                      </a:r>
-                      <a:endParaRPr lang="en-US" sz="1500" b="0" i="0" u="none" strike="noStrike">
-                        <a:solidFill>
-                          <a:srgbClr val="000000"/>
-                        </a:solidFill>
-                        <a:effectLst/>
-                        <a:latin typeface="Calibri" panose="020F0502020204030204" pitchFamily="34" charset="0"/>
-                      </a:endParaRPr>
-                    </a:p>
-                  </a:txBody>
-                  <a:tcPr anchor="ctr"/>
-                </a:tc>
-                <a:tc>
-                  <a:txBody>
-                    <a:bodyPr/>
-                    <a:lstStyle/>
-                    <a:p>
-                      <a:pPr algn="r" fontAlgn="ctr"/>
-                      <a:r>
-                        <a:rPr lang="en-IL" sz="1500" u="none" strike="noStrike">
-                          <a:effectLst/>
-                        </a:rPr>
-                        <a:t>0.28</a:t>
-                      </a:r>
-                      <a:endParaRPr lang="en-IL" sz="1500" b="0" i="0" u="none" strike="noStrike">
-                        <a:solidFill>
-                          <a:srgbClr val="000000"/>
-                        </a:solidFill>
-                        <a:effectLst/>
-                        <a:latin typeface="Calibri" panose="020F0502020204030204" pitchFamily="34" charset="0"/>
-                      </a:endParaRPr>
-                    </a:p>
-                  </a:txBody>
-                  <a:tcPr anchor="ctr"/>
-                </a:tc>
-                <a:tc>
-                  <a:txBody>
-                    <a:bodyPr/>
-                    <a:lstStyle/>
-                    <a:p>
-                      <a:pPr algn="r" fontAlgn="ctr"/>
-                      <a:r>
-                        <a:rPr lang="en-IL" sz="1500" u="none" strike="noStrike">
-                          <a:effectLst/>
-                        </a:rPr>
-                        <a:t>0.28</a:t>
-                      </a:r>
-                      <a:endParaRPr lang="en-IL" sz="1500" b="0" i="0" u="none" strike="noStrike">
-                        <a:solidFill>
-                          <a:srgbClr val="000000"/>
-                        </a:solidFill>
-                        <a:effectLst/>
-                        <a:latin typeface="Calibri" panose="020F0502020204030204" pitchFamily="34" charset="0"/>
-                      </a:endParaRPr>
-                    </a:p>
-                  </a:txBody>
-                  <a:tcPr anchor="ctr"/>
-                </a:tc>
-                <a:extLst>
-                  <a:ext uri="{0D108BD9-81ED-4DB2-BD59-A6C34878D82A}">
-                    <a16:rowId xmlns:a16="http://schemas.microsoft.com/office/drawing/2014/main" val="1410700066"/>
-                  </a:ext>
-                </a:extLst>
-              </a:tr>
-              <a:tr h="516020">
-                <a:tc>
-                  <a:txBody>
-                    <a:bodyPr/>
-                    <a:lstStyle/>
-                    <a:p>
-                      <a:pPr algn="r" fontAlgn="ctr"/>
-                      <a:r>
-                        <a:rPr lang="en-IL" sz="1500" u="none" strike="noStrike">
-                          <a:effectLst/>
-                        </a:rPr>
-                        <a:t>1222</a:t>
-                      </a:r>
-                      <a:endParaRPr lang="en-IL" sz="1500" b="0" i="0" u="none" strike="noStrike">
-                        <a:solidFill>
-                          <a:srgbClr val="000000"/>
-                        </a:solidFill>
-                        <a:effectLst/>
-                        <a:latin typeface="Calibri" panose="020F0502020204030204" pitchFamily="34" charset="0"/>
-                      </a:endParaRPr>
-                    </a:p>
-                  </a:txBody>
-                  <a:tcPr anchor="ctr"/>
-                </a:tc>
-                <a:tc>
-                  <a:txBody>
-                    <a:bodyPr/>
-                    <a:lstStyle/>
-                    <a:p>
-                      <a:pPr algn="r" fontAlgn="ctr"/>
-                      <a:r>
-                        <a:rPr lang="en-IL" sz="1500" u="none" strike="noStrike">
-                          <a:effectLst/>
-                        </a:rPr>
-                        <a:t>140</a:t>
-                      </a:r>
-                      <a:endParaRPr lang="en-IL" sz="1500" b="0" i="0" u="none" strike="noStrike">
-                        <a:solidFill>
-                          <a:srgbClr val="000000"/>
-                        </a:solidFill>
-                        <a:effectLst/>
-                        <a:latin typeface="Calibri" panose="020F0502020204030204" pitchFamily="34" charset="0"/>
-                      </a:endParaRPr>
-                    </a:p>
-                  </a:txBody>
-                  <a:tcPr anchor="ctr"/>
-                </a:tc>
-                <a:tc>
-                  <a:txBody>
-                    <a:bodyPr/>
-                    <a:lstStyle/>
-                    <a:p>
-                      <a:pPr algn="l" fontAlgn="ctr"/>
-                      <a:r>
-                        <a:rPr lang="en-IL" sz="1500" u="none" strike="noStrike">
-                          <a:effectLst/>
-                        </a:rPr>
-                        <a:t>           24.62 </a:t>
-                      </a:r>
-                      <a:endParaRPr lang="en-IL" sz="1500" b="0" i="0" u="none" strike="noStrike">
-                        <a:solidFill>
-                          <a:srgbClr val="000000"/>
-                        </a:solidFill>
-                        <a:effectLst/>
-                        <a:latin typeface="Calibri" panose="020F0502020204030204" pitchFamily="34" charset="0"/>
-                      </a:endParaRPr>
-                    </a:p>
-                  </a:txBody>
-                  <a:tcPr anchor="ctr"/>
-                </a:tc>
-                <a:tc>
-                  <a:txBody>
-                    <a:bodyPr/>
-                    <a:lstStyle/>
-                    <a:p>
-                      <a:pPr algn="l" fontAlgn="ctr"/>
-                      <a:r>
-                        <a:rPr lang="en-US" sz="1500" u="none" strike="noStrike">
-                          <a:effectLst/>
-                        </a:rPr>
-                        <a:t>hypothetical protein A9Q78_09185, partial [Methylophaga sp. 41_12_T18]</a:t>
-                      </a:r>
-                      <a:endParaRPr lang="en-US" sz="1500" b="0" i="0" u="none" strike="noStrike">
-                        <a:solidFill>
-                          <a:srgbClr val="000000"/>
-                        </a:solidFill>
-                        <a:effectLst/>
-                        <a:latin typeface="Calibri" panose="020F0502020204030204" pitchFamily="34" charset="0"/>
-                      </a:endParaRPr>
-                    </a:p>
-                  </a:txBody>
-                  <a:tcPr anchor="ctr"/>
-                </a:tc>
-                <a:tc>
-                  <a:txBody>
-                    <a:bodyPr/>
-                    <a:lstStyle/>
-                    <a:p>
-                      <a:pPr algn="l" fontAlgn="ctr"/>
-                      <a:r>
-                        <a:rPr lang="en-US" sz="1500" u="none" strike="noStrike">
-                          <a:effectLst/>
-                        </a:rPr>
-                        <a:t>OUR71561</a:t>
-                      </a:r>
-                      <a:endParaRPr lang="en-US" sz="1500" b="0" i="0" u="none" strike="noStrike">
-                        <a:solidFill>
-                          <a:srgbClr val="000000"/>
-                        </a:solidFill>
-                        <a:effectLst/>
-                        <a:latin typeface="Calibri" panose="020F0502020204030204" pitchFamily="34" charset="0"/>
-                      </a:endParaRPr>
-                    </a:p>
-                  </a:txBody>
-                  <a:tcPr anchor="ctr"/>
-                </a:tc>
-                <a:tc>
-                  <a:txBody>
-                    <a:bodyPr/>
-                    <a:lstStyle/>
-                    <a:p>
-                      <a:pPr algn="r" fontAlgn="ctr"/>
-                      <a:r>
-                        <a:rPr lang="en-IL" sz="1500" u="none" strike="noStrike">
-                          <a:effectLst/>
-                        </a:rPr>
-                        <a:t>0.32</a:t>
-                      </a:r>
-                      <a:endParaRPr lang="en-IL" sz="1500" b="0" i="0" u="none" strike="noStrike">
-                        <a:solidFill>
-                          <a:srgbClr val="000000"/>
-                        </a:solidFill>
-                        <a:effectLst/>
-                        <a:latin typeface="Calibri" panose="020F0502020204030204" pitchFamily="34" charset="0"/>
-                      </a:endParaRPr>
-                    </a:p>
-                  </a:txBody>
-                  <a:tcPr anchor="ctr"/>
-                </a:tc>
-                <a:tc>
-                  <a:txBody>
-                    <a:bodyPr/>
-                    <a:lstStyle/>
-                    <a:p>
-                      <a:pPr algn="r" fontAlgn="ctr"/>
-                      <a:r>
-                        <a:rPr lang="en-IL" sz="1500" u="none" strike="noStrike">
-                          <a:effectLst/>
-                        </a:rPr>
-                        <a:t>0.28</a:t>
-                      </a:r>
-                      <a:endParaRPr lang="en-IL" sz="1500" b="0" i="0" u="none" strike="noStrike">
-                        <a:solidFill>
-                          <a:srgbClr val="000000"/>
-                        </a:solidFill>
-                        <a:effectLst/>
-                        <a:latin typeface="Calibri" panose="020F0502020204030204" pitchFamily="34" charset="0"/>
-                      </a:endParaRPr>
-                    </a:p>
-                  </a:txBody>
-                  <a:tcPr anchor="ctr"/>
-                </a:tc>
-                <a:extLst>
-                  <a:ext uri="{0D108BD9-81ED-4DB2-BD59-A6C34878D82A}">
-                    <a16:rowId xmlns:a16="http://schemas.microsoft.com/office/drawing/2014/main" val="3333708318"/>
-                  </a:ext>
-                </a:extLst>
-              </a:tr>
-              <a:tr h="283388">
-                <a:tc>
-                  <a:txBody>
-                    <a:bodyPr/>
-                    <a:lstStyle/>
-                    <a:p>
-                      <a:pPr algn="r" fontAlgn="ctr"/>
-                      <a:r>
-                        <a:rPr lang="en-IL" sz="1500" u="none" strike="noStrike">
-                          <a:effectLst/>
-                        </a:rPr>
-                        <a:t>1220</a:t>
-                      </a:r>
-                      <a:endParaRPr lang="en-IL" sz="1500" b="0" i="0" u="none" strike="noStrike">
-                        <a:solidFill>
-                          <a:srgbClr val="000000"/>
-                        </a:solidFill>
-                        <a:effectLst/>
-                        <a:latin typeface="Calibri" panose="020F0502020204030204" pitchFamily="34" charset="0"/>
-                      </a:endParaRPr>
-                    </a:p>
-                  </a:txBody>
-                  <a:tcPr anchor="ctr"/>
-                </a:tc>
-                <a:tc>
-                  <a:txBody>
-                    <a:bodyPr/>
-                    <a:lstStyle/>
-                    <a:p>
-                      <a:pPr algn="r" fontAlgn="ctr"/>
-                      <a:r>
-                        <a:rPr lang="en-IL" sz="1500" u="none" strike="noStrike">
-                          <a:effectLst/>
-                        </a:rPr>
-                        <a:t>200</a:t>
-                      </a:r>
-                      <a:endParaRPr lang="en-IL" sz="1500" b="0" i="0" u="none" strike="noStrike">
-                        <a:solidFill>
-                          <a:srgbClr val="000000"/>
-                        </a:solidFill>
-                        <a:effectLst/>
-                        <a:latin typeface="Calibri" panose="020F0502020204030204" pitchFamily="34" charset="0"/>
-                      </a:endParaRPr>
-                    </a:p>
-                  </a:txBody>
-                  <a:tcPr anchor="ctr"/>
-                </a:tc>
-                <a:tc>
-                  <a:txBody>
-                    <a:bodyPr/>
-                    <a:lstStyle/>
-                    <a:p>
-                      <a:pPr algn="l" fontAlgn="ctr"/>
-                      <a:r>
-                        <a:rPr lang="en-IL" sz="1500" u="none" strike="noStrike">
-                          <a:effectLst/>
-                        </a:rPr>
-                        <a:t>           24.38 </a:t>
-                      </a:r>
-                      <a:endParaRPr lang="en-IL" sz="1500" b="0" i="0" u="none" strike="noStrike">
-                        <a:solidFill>
-                          <a:srgbClr val="000000"/>
-                        </a:solidFill>
-                        <a:effectLst/>
-                        <a:latin typeface="Calibri" panose="020F0502020204030204" pitchFamily="34" charset="0"/>
-                      </a:endParaRPr>
-                    </a:p>
-                  </a:txBody>
-                  <a:tcPr anchor="ctr"/>
-                </a:tc>
-                <a:tc>
-                  <a:txBody>
-                    <a:bodyPr/>
-                    <a:lstStyle/>
-                    <a:p>
-                      <a:pPr algn="l" fontAlgn="ctr"/>
-                      <a:r>
-                        <a:rPr lang="en-IL" sz="1500" u="none" strike="noStrike">
-                          <a:effectLst/>
-                        </a:rPr>
-                        <a:t> </a:t>
-                      </a:r>
-                      <a:endParaRPr lang="en-IL" sz="1500" b="0" i="0" u="none" strike="noStrike">
-                        <a:solidFill>
-                          <a:srgbClr val="000000"/>
-                        </a:solidFill>
-                        <a:effectLst/>
-                        <a:latin typeface="Calibri" panose="020F0502020204030204" pitchFamily="34" charset="0"/>
-                      </a:endParaRPr>
-                    </a:p>
-                  </a:txBody>
-                  <a:tcPr anchor="ctr"/>
-                </a:tc>
-                <a:tc>
-                  <a:txBody>
-                    <a:bodyPr/>
-                    <a:lstStyle/>
-                    <a:p>
-                      <a:pPr algn="l" fontAlgn="ctr"/>
-                      <a:r>
-                        <a:rPr lang="en-IL" sz="1500" u="none" strike="noStrike">
-                          <a:effectLst/>
-                        </a:rPr>
-                        <a:t> </a:t>
-                      </a:r>
-                      <a:endParaRPr lang="en-IL" sz="1500" b="0" i="0" u="none" strike="noStrike">
-                        <a:solidFill>
-                          <a:srgbClr val="000000"/>
-                        </a:solidFill>
-                        <a:effectLst/>
-                        <a:latin typeface="Calibri" panose="020F0502020204030204" pitchFamily="34" charset="0"/>
-                      </a:endParaRPr>
-                    </a:p>
-                  </a:txBody>
-                  <a:tcPr anchor="ctr"/>
-                </a:tc>
-                <a:tc>
-                  <a:txBody>
-                    <a:bodyPr/>
-                    <a:lstStyle/>
-                    <a:p>
-                      <a:pPr algn="l" fontAlgn="ctr"/>
-                      <a:r>
-                        <a:rPr lang="en-IL" sz="1500" u="none" strike="noStrike">
-                          <a:effectLst/>
-                        </a:rPr>
-                        <a:t> </a:t>
-                      </a:r>
-                      <a:endParaRPr lang="en-IL" sz="1500" b="0" i="0" u="none" strike="noStrike">
-                        <a:solidFill>
-                          <a:srgbClr val="000000"/>
-                        </a:solidFill>
-                        <a:effectLst/>
-                        <a:latin typeface="Calibri" panose="020F0502020204030204" pitchFamily="34" charset="0"/>
-                      </a:endParaRPr>
-                    </a:p>
-                  </a:txBody>
-                  <a:tcPr anchor="ctr"/>
-                </a:tc>
-                <a:tc>
-                  <a:txBody>
-                    <a:bodyPr/>
-                    <a:lstStyle/>
-                    <a:p>
-                      <a:pPr algn="l" fontAlgn="ctr"/>
-                      <a:r>
-                        <a:rPr lang="en-IL" sz="1500" u="none" strike="noStrike">
-                          <a:effectLst/>
-                        </a:rPr>
-                        <a:t> </a:t>
-                      </a:r>
-                      <a:endParaRPr lang="en-IL" sz="1500" b="0" i="0" u="none" strike="noStrike">
-                        <a:solidFill>
-                          <a:srgbClr val="000000"/>
-                        </a:solidFill>
-                        <a:effectLst/>
-                        <a:latin typeface="Calibri" panose="020F0502020204030204" pitchFamily="34" charset="0"/>
-                      </a:endParaRPr>
-                    </a:p>
-                  </a:txBody>
-                  <a:tcPr anchor="ctr"/>
-                </a:tc>
-                <a:extLst>
-                  <a:ext uri="{0D108BD9-81ED-4DB2-BD59-A6C34878D82A}">
-                    <a16:rowId xmlns:a16="http://schemas.microsoft.com/office/drawing/2014/main" val="970813693"/>
-                  </a:ext>
-                </a:extLst>
-              </a:tr>
-              <a:tr h="516020">
-                <a:tc>
-                  <a:txBody>
-                    <a:bodyPr/>
-                    <a:lstStyle/>
-                    <a:p>
-                      <a:pPr algn="r" fontAlgn="ctr"/>
-                      <a:r>
-                        <a:rPr lang="en-IL" sz="1500" u="none" strike="noStrike">
-                          <a:effectLst/>
-                        </a:rPr>
-                        <a:t>1203</a:t>
-                      </a:r>
-                      <a:endParaRPr lang="en-IL" sz="1500" b="0" i="0" u="none" strike="noStrike">
-                        <a:solidFill>
-                          <a:srgbClr val="000000"/>
-                        </a:solidFill>
-                        <a:effectLst/>
-                        <a:latin typeface="Calibri" panose="020F0502020204030204" pitchFamily="34" charset="0"/>
-                      </a:endParaRPr>
-                    </a:p>
-                  </a:txBody>
-                  <a:tcPr anchor="ctr"/>
-                </a:tc>
-                <a:tc>
-                  <a:txBody>
-                    <a:bodyPr/>
-                    <a:lstStyle/>
-                    <a:p>
-                      <a:pPr algn="r" fontAlgn="ctr"/>
-                      <a:r>
-                        <a:rPr lang="en-IL" sz="1500" u="none" strike="noStrike">
-                          <a:effectLst/>
-                        </a:rPr>
-                        <a:t>283</a:t>
-                      </a:r>
-                      <a:endParaRPr lang="en-IL" sz="1500" b="0" i="0" u="none" strike="noStrike">
-                        <a:solidFill>
-                          <a:srgbClr val="000000"/>
-                        </a:solidFill>
-                        <a:effectLst/>
-                        <a:latin typeface="Calibri" panose="020F0502020204030204" pitchFamily="34" charset="0"/>
-                      </a:endParaRPr>
-                    </a:p>
-                  </a:txBody>
-                  <a:tcPr anchor="ctr"/>
-                </a:tc>
-                <a:tc>
-                  <a:txBody>
-                    <a:bodyPr/>
-                    <a:lstStyle/>
-                    <a:p>
-                      <a:pPr algn="l" fontAlgn="ctr"/>
-                      <a:r>
-                        <a:rPr lang="en-IL" sz="1500" u="none" strike="noStrike">
-                          <a:effectLst/>
-                        </a:rPr>
-                        <a:t>           20.56 </a:t>
-                      </a:r>
-                      <a:endParaRPr lang="en-IL" sz="1500" b="0" i="0" u="none" strike="noStrike">
-                        <a:solidFill>
-                          <a:srgbClr val="000000"/>
-                        </a:solidFill>
-                        <a:effectLst/>
-                        <a:latin typeface="Calibri" panose="020F0502020204030204" pitchFamily="34" charset="0"/>
-                      </a:endParaRPr>
-                    </a:p>
-                  </a:txBody>
-                  <a:tcPr anchor="ctr"/>
-                </a:tc>
-                <a:tc>
-                  <a:txBody>
-                    <a:bodyPr/>
-                    <a:lstStyle/>
-                    <a:p>
-                      <a:pPr algn="l" fontAlgn="ctr"/>
-                      <a:r>
-                        <a:rPr lang="en-US" sz="1500" u="none" strike="noStrike">
-                          <a:effectLst/>
-                        </a:rPr>
-                        <a:t>hypothetical protein, partial [Mesorhizobium sp. YM1C-6-2] &gt;gb|RLP24073.1| hypothetical protein ...</a:t>
-                      </a:r>
-                      <a:endParaRPr lang="en-US" sz="1500" b="0" i="0" u="none" strike="noStrike">
-                        <a:solidFill>
-                          <a:srgbClr val="000000"/>
-                        </a:solidFill>
-                        <a:effectLst/>
-                        <a:latin typeface="Calibri" panose="020F0502020204030204" pitchFamily="34" charset="0"/>
-                      </a:endParaRPr>
-                    </a:p>
-                  </a:txBody>
-                  <a:tcPr anchor="ctr"/>
-                </a:tc>
-                <a:tc>
-                  <a:txBody>
-                    <a:bodyPr/>
-                    <a:lstStyle/>
-                    <a:p>
-                      <a:pPr algn="l" fontAlgn="ctr"/>
-                      <a:r>
-                        <a:rPr lang="en-US" sz="1500" u="none" strike="noStrike">
-                          <a:effectLst/>
-                        </a:rPr>
-                        <a:t>WP_121582627</a:t>
-                      </a:r>
-                      <a:endParaRPr lang="en-US" sz="1500" b="0" i="0" u="none" strike="noStrike">
-                        <a:solidFill>
-                          <a:srgbClr val="000000"/>
-                        </a:solidFill>
-                        <a:effectLst/>
-                        <a:latin typeface="Calibri" panose="020F0502020204030204" pitchFamily="34" charset="0"/>
-                      </a:endParaRPr>
-                    </a:p>
-                  </a:txBody>
-                  <a:tcPr anchor="ctr"/>
-                </a:tc>
-                <a:tc>
-                  <a:txBody>
-                    <a:bodyPr/>
-                    <a:lstStyle/>
-                    <a:p>
-                      <a:pPr algn="r" fontAlgn="ctr"/>
-                      <a:r>
-                        <a:rPr lang="en-IL" sz="1500" u="none" strike="noStrike">
-                          <a:effectLst/>
-                        </a:rPr>
-                        <a:t>0.18</a:t>
-                      </a:r>
-                      <a:endParaRPr lang="en-IL" sz="1500" b="0" i="0" u="none" strike="noStrike">
-                        <a:solidFill>
-                          <a:srgbClr val="000000"/>
-                        </a:solidFill>
-                        <a:effectLst/>
-                        <a:latin typeface="Calibri" panose="020F0502020204030204" pitchFamily="34" charset="0"/>
-                      </a:endParaRPr>
-                    </a:p>
-                  </a:txBody>
-                  <a:tcPr anchor="ctr"/>
-                </a:tc>
-                <a:tc>
-                  <a:txBody>
-                    <a:bodyPr/>
-                    <a:lstStyle/>
-                    <a:p>
-                      <a:pPr algn="r" fontAlgn="ctr"/>
-                      <a:r>
-                        <a:rPr lang="en-IL" sz="1500" u="none" strike="noStrike" dirty="0">
-                          <a:effectLst/>
-                        </a:rPr>
-                        <a:t>0.11</a:t>
-                      </a:r>
-                      <a:endParaRPr lang="en-IL" sz="1500" b="0" i="0" u="none" strike="noStrike" dirty="0">
-                        <a:solidFill>
-                          <a:srgbClr val="000000"/>
-                        </a:solidFill>
-                        <a:effectLst/>
-                        <a:latin typeface="Calibri" panose="020F0502020204030204" pitchFamily="34" charset="0"/>
-                      </a:endParaRPr>
-                    </a:p>
-                  </a:txBody>
-                  <a:tcPr anchor="ctr"/>
-                </a:tc>
-                <a:extLst>
-                  <a:ext uri="{0D108BD9-81ED-4DB2-BD59-A6C34878D82A}">
-                    <a16:rowId xmlns:a16="http://schemas.microsoft.com/office/drawing/2014/main" val="2524984508"/>
-                  </a:ext>
-                </a:extLst>
-              </a:tr>
-            </a:tbl>
-          </a:graphicData>
-        </a:graphic>
-      </p:graphicFrame>
-      <p:pic>
-        <p:nvPicPr>
-          <p:cNvPr id="2050" name="Picture 2">
-            <a:extLst>
-              <a:ext uri="{FF2B5EF4-FFF2-40B4-BE49-F238E27FC236}">
-                <a16:creationId xmlns:a16="http://schemas.microsoft.com/office/drawing/2014/main" id="{AAD80834-2270-40F0-BE2B-C33D3E2141EB}"/>
-              </a:ext>
-            </a:extLst>
-          </p:cNvPr>
-          <p:cNvPicPr>
-            <a:picLocks noChangeAspect="1" noChangeArrowheads="1"/>
-          </p:cNvPicPr>
-          <p:nvPr/>
-        </p:nvPicPr>
-        <p:blipFill>
-          <a:blip r:embed="rId2">
-            <a:extLst>
-              <a:ext uri="{28A0092B-C50C-407E-A947-70E740481C1C}">
-                <a14:useLocalDpi xmlns:a14="http://schemas.microsoft.com/office/drawing/2010/main" val="0"/>
-              </a:ext>
-            </a:extLst>
-          </a:blip>
-          <a:srcRect/>
-          <a:stretch>
-            <a:fillRect/>
-          </a:stretch>
-        </p:blipFill>
-        <p:spPr bwMode="auto">
-          <a:xfrm>
-            <a:off x="8246347" y="458768"/>
-            <a:ext cx="2924773" cy="2075452"/>
-          </a:xfrm>
-          <a:prstGeom prst="rect">
-            <a:avLst/>
-          </a:prstGeom>
-          <a:noFill/>
-          <a:extLst>
-            <a:ext uri="{909E8E84-426E-40DD-AFC4-6F175D3DCCD1}">
-              <a14:hiddenFill xmlns:a14="http://schemas.microsoft.com/office/drawing/2010/main">
-                <a:solidFill>
-                  <a:srgbClr val="FFFFFF"/>
-                </a:solidFill>
-              </a14:hiddenFill>
-            </a:ext>
-          </a:extLst>
-        </p:spPr>
-      </p:pic>
-      <p:sp>
-        <p:nvSpPr>
-          <p:cNvPr id="13" name="TextBox 12">
-            <a:extLst>
-              <a:ext uri="{FF2B5EF4-FFF2-40B4-BE49-F238E27FC236}">
-                <a16:creationId xmlns:a16="http://schemas.microsoft.com/office/drawing/2014/main" id="{F402531E-5F5F-495E-A1B7-667D0EEDF9F3}"/>
-              </a:ext>
-            </a:extLst>
-          </p:cNvPr>
-          <p:cNvSpPr txBox="1"/>
-          <p:nvPr/>
-        </p:nvSpPr>
-        <p:spPr>
-          <a:xfrm>
-            <a:off x="2184539" y="6017992"/>
-            <a:ext cx="7188061" cy="369332"/>
-          </a:xfrm>
-          <a:prstGeom prst="rect">
-            <a:avLst/>
-          </a:prstGeom>
-          <a:noFill/>
-        </p:spPr>
-        <p:txBody>
-          <a:bodyPr wrap="square">
-            <a:spAutoFit/>
-          </a:bodyPr>
-          <a:lstStyle/>
-          <a:p>
-            <a:r>
-              <a:rPr lang="LID4096" dirty="0">
-                <a:hlinkClick r:id="rId3"/>
-              </a:rPr>
-              <a:t>https://blast.ncbi.nlm.nih.gov/Blast.cgi?CMD=Get&amp;RID=JKMWMHBA014</a:t>
-            </a:r>
-            <a:r>
-              <a:rPr lang="en-US" dirty="0"/>
-              <a:t> </a:t>
-            </a:r>
-            <a:endParaRPr lang="LID4096" dirty="0"/>
-          </a:p>
-        </p:txBody>
-      </p:sp>
-    </p:spTree>
-    <p:extLst>
-      <p:ext uri="{BB962C8B-B14F-4D97-AF65-F5344CB8AC3E}">
-        <p14:creationId xmlns:p14="http://schemas.microsoft.com/office/powerpoint/2010/main" val="424288829"/>
       </p:ext>
     </p:extLst>
   </p:cSld>
